--- a/Building and Deploying Models in Julia.pptx
+++ b/Building and Deploying Models in Julia.pptx
@@ -1,19 +1,21 @@
 
 <file path=ppt/presentation.xml><?xml version="1.0" encoding="utf-8"?>
-<p:presentation xmlns:a="http://schemas.openxmlformats.org/drawingml/2006/main" xmlns:r="http://schemas.openxmlformats.org/officeDocument/2006/relationships" xmlns:p="http://schemas.openxmlformats.org/presentationml/2006/main" saveSubsetFonts="1">
+<p:presentation xmlns:a="http://schemas.openxmlformats.org/drawingml/2006/main" xmlns:r="http://schemas.openxmlformats.org/officeDocument/2006/relationships" xmlns:p="http://schemas.openxmlformats.org/presentationml/2006/main" showSpecialPlsOnTitleSld="0" saveSubsetFonts="1">
   <p:sldMasterIdLst>
     <p:sldMasterId id="2147483648" r:id="rId1"/>
   </p:sldMasterIdLst>
   <p:notesMasterIdLst>
-    <p:notesMasterId r:id="rId8"/>
+    <p:notesMasterId r:id="rId10"/>
   </p:notesMasterIdLst>
   <p:sldIdLst>
     <p:sldId id="257" r:id="rId2"/>
-    <p:sldId id="258" r:id="rId3"/>
-    <p:sldId id="260" r:id="rId4"/>
-    <p:sldId id="261" r:id="rId5"/>
-    <p:sldId id="262" r:id="rId6"/>
-    <p:sldId id="263" r:id="rId7"/>
+    <p:sldId id="266" r:id="rId3"/>
+    <p:sldId id="262" r:id="rId4"/>
+    <p:sldId id="264" r:id="rId5"/>
+    <p:sldId id="267" r:id="rId6"/>
+    <p:sldId id="265" r:id="rId7"/>
+    <p:sldId id="268" r:id="rId8"/>
+    <p:sldId id="261" r:id="rId9"/>
   </p:sldIdLst>
   <p:sldSz cx="12192000" cy="6858000"/>
   <p:notesSz cx="6858000" cy="9144000"/>
@@ -112,6 +114,11 @@
       </a:defRPr>
     </a:lvl9pPr>
   </p:defaultTextStyle>
+  <p:extLst>
+    <p:ext uri="{EFAFB233-063F-42B5-8137-9DF3F51BA10A}">
+      <p15:sldGuideLst xmlns:p15="http://schemas.microsoft.com/office/powerpoint/2012/main"/>
+    </p:ext>
+  </p:extLst>
 </p:presentation>
 </file>
 
@@ -197,7 +204,7 @@
           <a:p>
             <a:fld id="{9B0C8030-840E-4191-9E00-F0BF976159AB}" type="datetimeFigureOut">
               <a:rPr lang="en-US" smtClean="0"/>
-              <a:t>5/1/2018</a:t>
+              <a:t>5/3/2018</a:t>
             </a:fld>
             <a:endParaRPr lang="en-US"/>
           </a:p>
@@ -716,9 +723,9 @@
           <a:bodyPr/>
           <a:lstStyle/>
           <a:p>
-            <a:fld id="{00E784EB-7ABE-49F2-B286-6A244AC30BB2}" type="datetimeFigureOut">
-              <a:rPr lang="en-US" smtClean="0"/>
-              <a:t>5/1/2018</a:t>
+            <a:fld id="{01778F1A-A18F-4686-8561-C86BF339F812}" type="datetime1">
+              <a:rPr lang="en-US" smtClean="0"/>
+              <a:t>5/3/2018</a:t>
             </a:fld>
             <a:endParaRPr lang="en-US"/>
           </a:p>
@@ -739,6 +746,10 @@
           <a:bodyPr/>
           <a:lstStyle/>
           <a:p>
+            <a:r>
+              <a:rPr lang="en-US" smtClean="0"/>
+              <a:t>github.com/chasedehan/odsc_east_2018</a:t>
+            </a:r>
             <a:endParaRPr lang="en-US"/>
           </a:p>
         </p:txBody>
@@ -886,9 +897,9 @@
           <a:bodyPr/>
           <a:lstStyle/>
           <a:p>
-            <a:fld id="{00E784EB-7ABE-49F2-B286-6A244AC30BB2}" type="datetimeFigureOut">
-              <a:rPr lang="en-US" smtClean="0"/>
-              <a:t>5/1/2018</a:t>
+            <a:fld id="{D3862474-6691-4E38-93FB-4D524248E7FB}" type="datetime1">
+              <a:rPr lang="en-US" smtClean="0"/>
+              <a:t>5/3/2018</a:t>
             </a:fld>
             <a:endParaRPr lang="en-US"/>
           </a:p>
@@ -909,6 +920,10 @@
           <a:bodyPr/>
           <a:lstStyle/>
           <a:p>
+            <a:r>
+              <a:rPr lang="en-US" smtClean="0"/>
+              <a:t>github.com/chasedehan/odsc_east_2018</a:t>
+            </a:r>
             <a:endParaRPr lang="en-US"/>
           </a:p>
         </p:txBody>
@@ -1066,9 +1081,9 @@
           <a:bodyPr/>
           <a:lstStyle/>
           <a:p>
-            <a:fld id="{00E784EB-7ABE-49F2-B286-6A244AC30BB2}" type="datetimeFigureOut">
-              <a:rPr lang="en-US" smtClean="0"/>
-              <a:t>5/1/2018</a:t>
+            <a:fld id="{769A299A-7791-4AD3-AB05-1CDC6CA3EA06}" type="datetime1">
+              <a:rPr lang="en-US" smtClean="0"/>
+              <a:t>5/3/2018</a:t>
             </a:fld>
             <a:endParaRPr lang="en-US"/>
           </a:p>
@@ -1089,6 +1104,10 @@
           <a:bodyPr/>
           <a:lstStyle/>
           <a:p>
+            <a:r>
+              <a:rPr lang="en-US" smtClean="0"/>
+              <a:t>github.com/chasedehan/odsc_east_2018</a:t>
+            </a:r>
             <a:endParaRPr lang="en-US"/>
           </a:p>
         </p:txBody>
@@ -1236,9 +1255,9 @@
           <a:bodyPr/>
           <a:lstStyle/>
           <a:p>
-            <a:fld id="{00E784EB-7ABE-49F2-B286-6A244AC30BB2}" type="datetimeFigureOut">
-              <a:rPr lang="en-US" smtClean="0"/>
-              <a:t>5/1/2018</a:t>
+            <a:fld id="{663E92AD-E7AA-4B43-BADD-8C189EFC3A57}" type="datetime1">
+              <a:rPr lang="en-US" smtClean="0"/>
+              <a:t>5/3/2018</a:t>
             </a:fld>
             <a:endParaRPr lang="en-US"/>
           </a:p>
@@ -1259,6 +1278,10 @@
           <a:bodyPr/>
           <a:lstStyle/>
           <a:p>
+            <a:r>
+              <a:rPr lang="en-US" smtClean="0"/>
+              <a:t>github.com/chasedehan/odsc_east_2018</a:t>
+            </a:r>
             <a:endParaRPr lang="en-US"/>
           </a:p>
         </p:txBody>
@@ -1482,9 +1505,9 @@
           <a:bodyPr/>
           <a:lstStyle/>
           <a:p>
-            <a:fld id="{00E784EB-7ABE-49F2-B286-6A244AC30BB2}" type="datetimeFigureOut">
-              <a:rPr lang="en-US" smtClean="0"/>
-              <a:t>5/1/2018</a:t>
+            <a:fld id="{B3BBB6F4-D33F-4C93-BE4D-CF8BD3B91855}" type="datetime1">
+              <a:rPr lang="en-US" smtClean="0"/>
+              <a:t>5/3/2018</a:t>
             </a:fld>
             <a:endParaRPr lang="en-US"/>
           </a:p>
@@ -1505,6 +1528,10 @@
           <a:bodyPr/>
           <a:lstStyle/>
           <a:p>
+            <a:r>
+              <a:rPr lang="en-US" smtClean="0"/>
+              <a:t>github.com/chasedehan/odsc_east_2018</a:t>
+            </a:r>
             <a:endParaRPr lang="en-US"/>
           </a:p>
         </p:txBody>
@@ -1714,9 +1741,9 @@
           <a:bodyPr/>
           <a:lstStyle/>
           <a:p>
-            <a:fld id="{00E784EB-7ABE-49F2-B286-6A244AC30BB2}" type="datetimeFigureOut">
-              <a:rPr lang="en-US" smtClean="0"/>
-              <a:t>5/1/2018</a:t>
+            <a:fld id="{028C225B-68F1-4DA0-83AE-6AC39851E150}" type="datetime1">
+              <a:rPr lang="en-US" smtClean="0"/>
+              <a:t>5/3/2018</a:t>
             </a:fld>
             <a:endParaRPr lang="en-US"/>
           </a:p>
@@ -1737,6 +1764,10 @@
           <a:bodyPr/>
           <a:lstStyle/>
           <a:p>
+            <a:r>
+              <a:rPr lang="en-US" smtClean="0"/>
+              <a:t>github.com/chasedehan/odsc_east_2018</a:t>
+            </a:r>
             <a:endParaRPr lang="en-US"/>
           </a:p>
         </p:txBody>
@@ -2081,9 +2112,9 @@
           <a:bodyPr/>
           <a:lstStyle/>
           <a:p>
-            <a:fld id="{00E784EB-7ABE-49F2-B286-6A244AC30BB2}" type="datetimeFigureOut">
-              <a:rPr lang="en-US" smtClean="0"/>
-              <a:t>5/1/2018</a:t>
+            <a:fld id="{AB4FC39A-19DB-4709-9EBD-72AE1804D5EC}" type="datetime1">
+              <a:rPr lang="en-US" smtClean="0"/>
+              <a:t>5/3/2018</a:t>
             </a:fld>
             <a:endParaRPr lang="en-US"/>
           </a:p>
@@ -2104,6 +2135,10 @@
           <a:bodyPr/>
           <a:lstStyle/>
           <a:p>
+            <a:r>
+              <a:rPr lang="en-US" smtClean="0"/>
+              <a:t>github.com/chasedehan/odsc_east_2018</a:t>
+            </a:r>
             <a:endParaRPr lang="en-US"/>
           </a:p>
         </p:txBody>
@@ -2199,9 +2234,9 @@
           <a:bodyPr/>
           <a:lstStyle/>
           <a:p>
-            <a:fld id="{00E784EB-7ABE-49F2-B286-6A244AC30BB2}" type="datetimeFigureOut">
-              <a:rPr lang="en-US" smtClean="0"/>
-              <a:t>5/1/2018</a:t>
+            <a:fld id="{2E458153-ECEE-4EAF-AC97-D311BC25EA98}" type="datetime1">
+              <a:rPr lang="en-US" smtClean="0"/>
+              <a:t>5/3/2018</a:t>
             </a:fld>
             <a:endParaRPr lang="en-US"/>
           </a:p>
@@ -2222,6 +2257,10 @@
           <a:bodyPr/>
           <a:lstStyle/>
           <a:p>
+            <a:r>
+              <a:rPr lang="en-US" smtClean="0"/>
+              <a:t>github.com/chasedehan/odsc_east_2018</a:t>
+            </a:r>
             <a:endParaRPr lang="en-US"/>
           </a:p>
         </p:txBody>
@@ -2294,9 +2333,9 @@
           <a:bodyPr/>
           <a:lstStyle/>
           <a:p>
-            <a:fld id="{00E784EB-7ABE-49F2-B286-6A244AC30BB2}" type="datetimeFigureOut">
-              <a:rPr lang="en-US" smtClean="0"/>
-              <a:t>5/1/2018</a:t>
+            <a:fld id="{8B6898BF-8601-4D6C-BDFF-76053A861BEB}" type="datetime1">
+              <a:rPr lang="en-US" smtClean="0"/>
+              <a:t>5/3/2018</a:t>
             </a:fld>
             <a:endParaRPr lang="en-US"/>
           </a:p>
@@ -2317,6 +2356,10 @@
           <a:bodyPr/>
           <a:lstStyle/>
           <a:p>
+            <a:r>
+              <a:rPr lang="en-US" smtClean="0"/>
+              <a:t>github.com/chasedehan/odsc_east_2018</a:t>
+            </a:r>
             <a:endParaRPr lang="en-US"/>
           </a:p>
         </p:txBody>
@@ -2571,9 +2614,9 @@
           <a:bodyPr/>
           <a:lstStyle/>
           <a:p>
-            <a:fld id="{00E784EB-7ABE-49F2-B286-6A244AC30BB2}" type="datetimeFigureOut">
-              <a:rPr lang="en-US" smtClean="0"/>
-              <a:t>5/1/2018</a:t>
+            <a:fld id="{8DF158D7-57B7-457F-B494-148B05D3772B}" type="datetime1">
+              <a:rPr lang="en-US" smtClean="0"/>
+              <a:t>5/3/2018</a:t>
             </a:fld>
             <a:endParaRPr lang="en-US"/>
           </a:p>
@@ -2594,6 +2637,10 @@
           <a:bodyPr/>
           <a:lstStyle/>
           <a:p>
+            <a:r>
+              <a:rPr lang="en-US" smtClean="0"/>
+              <a:t>github.com/chasedehan/odsc_east_2018</a:t>
+            </a:r>
             <a:endParaRPr lang="en-US"/>
           </a:p>
         </p:txBody>
@@ -2824,9 +2871,9 @@
           <a:bodyPr/>
           <a:lstStyle/>
           <a:p>
-            <a:fld id="{00E784EB-7ABE-49F2-B286-6A244AC30BB2}" type="datetimeFigureOut">
-              <a:rPr lang="en-US" smtClean="0"/>
-              <a:t>5/1/2018</a:t>
+            <a:fld id="{A2E48E8B-C7CD-4C2C-BC46-8D30FD3F0584}" type="datetime1">
+              <a:rPr lang="en-US" smtClean="0"/>
+              <a:t>5/3/2018</a:t>
             </a:fld>
             <a:endParaRPr lang="en-US"/>
           </a:p>
@@ -2847,6 +2894,10 @@
           <a:bodyPr/>
           <a:lstStyle/>
           <a:p>
+            <a:r>
+              <a:rPr lang="en-US" smtClean="0"/>
+              <a:t>github.com/chasedehan/odsc_east_2018</a:t>
+            </a:r>
             <a:endParaRPr lang="en-US"/>
           </a:p>
         </p:txBody>
@@ -3037,9 +3088,9 @@
             </a:lvl1pPr>
           </a:lstStyle>
           <a:p>
-            <a:fld id="{00E784EB-7ABE-49F2-B286-6A244AC30BB2}" type="datetimeFigureOut">
-              <a:rPr lang="en-US" smtClean="0"/>
-              <a:t>5/1/2018</a:t>
+            <a:fld id="{12291378-00CF-4DD9-AAC7-687D76DB7AEB}" type="datetime1">
+              <a:rPr lang="en-US" smtClean="0"/>
+              <a:t>5/3/2018</a:t>
             </a:fld>
             <a:endParaRPr lang="en-US"/>
           </a:p>
@@ -3078,6 +3129,10 @@
             </a:lvl1pPr>
           </a:lstStyle>
           <a:p>
+            <a:r>
+              <a:rPr lang="en-US" smtClean="0"/>
+              <a:t>github.com/chasedehan/odsc_east_2018</a:t>
+            </a:r>
             <a:endParaRPr lang="en-US"/>
           </a:p>
         </p:txBody>
@@ -3144,6 +3199,7 @@
     <p:sldLayoutId id="2147483658" r:id="rId10"/>
     <p:sldLayoutId id="2147483659" r:id="rId11"/>
   </p:sldLayoutIdLst>
+  <p:hf sldNum="0" hdr="0" dt="0"/>
   <p:txStyles>
     <p:titleStyle>
       <a:lvl1pPr algn="l" defTabSz="914400" rtl="0" eaLnBrk="1" latinLnBrk="0" hangingPunct="1">
@@ -3540,8 +3596,8 @@
         </p:nvSpPr>
         <p:spPr>
           <a:xfrm>
-            <a:off x="307282" y="6215697"/>
-            <a:ext cx="1294500" cy="458700"/>
+            <a:off x="307281" y="6215697"/>
+            <a:ext cx="6513693" cy="458700"/>
           </a:xfrm>
           <a:prstGeom prst="rect">
             <a:avLst/>
@@ -3564,7 +3620,7 @@
               <a:buSzPct val="25000"/>
             </a:pPr>
             <a:r>
-              <a:rPr lang="en" sz="1800" dirty="0">
+              <a:rPr lang="en" dirty="0" smtClean="0">
                 <a:solidFill>
                   <a:srgbClr val="FFFFFF"/>
                 </a:solidFill>
@@ -3573,8 +3629,34 @@
                 <a:cs typeface="Raleway"/>
                 <a:sym typeface="Raleway"/>
               </a:rPr>
-              <a:t>@ODSC</a:t>
-            </a:r>
+              <a:t>github.com/chasedehan/odsc_east_2018</a:t>
+            </a:r>
+            <a:endParaRPr lang="en" dirty="0">
+              <a:solidFill>
+                <a:srgbClr val="FFFFFF"/>
+              </a:solidFill>
+              <a:latin typeface="Raleway"/>
+              <a:ea typeface="Raleway"/>
+              <a:cs typeface="Raleway"/>
+              <a:sym typeface="Raleway"/>
+            </a:endParaRPr>
+          </a:p>
+          <a:p>
+            <a:pPr>
+              <a:buClr>
+                <a:srgbClr val="FFFFFF"/>
+              </a:buClr>
+              <a:buSzPct val="25000"/>
+            </a:pPr>
+            <a:endParaRPr lang="en" sz="1800" dirty="0">
+              <a:solidFill>
+                <a:srgbClr val="FFFFFF"/>
+              </a:solidFill>
+              <a:latin typeface="Raleway"/>
+              <a:ea typeface="Raleway"/>
+              <a:cs typeface="Raleway"/>
+              <a:sym typeface="Raleway"/>
+            </a:endParaRPr>
           </a:p>
         </p:txBody>
       </p:sp>
@@ -3621,15 +3703,6 @@
               </a:rPr>
               <a:t>Building and Deploying Models in Julia</a:t>
             </a:r>
-            <a:endParaRPr lang="en" sz="6000" dirty="0" smtClean="0">
-              <a:solidFill>
-                <a:srgbClr val="FFFFFF"/>
-              </a:solidFill>
-              <a:latin typeface="Raleway"/>
-              <a:ea typeface="Raleway"/>
-              <a:cs typeface="Raleway"/>
-              <a:sym typeface="Raleway"/>
-            </a:endParaRPr>
           </a:p>
           <a:p>
             <a:pPr>
@@ -3665,61 +3738,8 @@
                 <a:cs typeface="Raleway"/>
                 <a:sym typeface="Raleway"/>
               </a:rPr>
-              <a:t>Chase </a:t>
-            </a:r>
-            <a:r>
-              <a:rPr lang="en" sz="4400" dirty="0" smtClean="0">
-                <a:solidFill>
-                  <a:srgbClr val="FFFFFF"/>
-                </a:solidFill>
-                <a:latin typeface="Raleway"/>
-                <a:ea typeface="Raleway"/>
-                <a:cs typeface="Raleway"/>
-                <a:sym typeface="Raleway"/>
-              </a:rPr>
-              <a:t>DeHan, PhD</a:t>
-            </a:r>
-          </a:p>
-          <a:p>
-            <a:pPr>
-              <a:buClr>
-                <a:srgbClr val="FFFFFF"/>
-              </a:buClr>
-              <a:buSzPct val="25000"/>
-            </a:pPr>
-            <a:r>
-              <a:rPr lang="en" sz="3200" smtClean="0">
-                <a:solidFill>
-                  <a:srgbClr val="FFFFFF"/>
-                </a:solidFill>
-                <a:latin typeface="Raleway"/>
-                <a:ea typeface="Raleway"/>
-                <a:cs typeface="Raleway"/>
-                <a:sym typeface="Raleway"/>
-              </a:rPr>
-              <a:t>g</a:t>
-            </a:r>
-            <a:r>
-              <a:rPr lang="en" sz="3200" smtClean="0">
-                <a:solidFill>
-                  <a:srgbClr val="FFFFFF"/>
-                </a:solidFill>
-                <a:latin typeface="Raleway"/>
-                <a:ea typeface="Raleway"/>
-                <a:cs typeface="Raleway"/>
-                <a:sym typeface="Raleway"/>
-              </a:rPr>
-              <a:t>ithub.com/chasedehan</a:t>
-            </a:r>
-            <a:endParaRPr lang="en" sz="3200" dirty="0" smtClean="0">
-              <a:solidFill>
-                <a:srgbClr val="FFFFFF"/>
-              </a:solidFill>
-              <a:latin typeface="Raleway"/>
-              <a:ea typeface="Raleway"/>
-              <a:cs typeface="Raleway"/>
-              <a:sym typeface="Raleway"/>
-            </a:endParaRPr>
+              <a:t>Chase DeHan, PhD</a:t>
+            </a:r>
           </a:p>
           <a:p>
             <a:pPr>
@@ -3738,19 +3758,7 @@
                 <a:cs typeface="Raleway"/>
                 <a:sym typeface="Raleway"/>
               </a:rPr>
-              <a:t>Data </a:t>
-            </a:r>
-            <a:r>
-              <a:rPr lang="en" sz="3200" dirty="0" smtClean="0">
-                <a:solidFill>
-                  <a:srgbClr val="FFFFFF"/>
-                </a:solidFill>
-                <a:latin typeface="Raleway"/>
-                <a:ea typeface="Raleway"/>
-                <a:cs typeface="Raleway"/>
-                <a:sym typeface="Raleway"/>
-              </a:rPr>
-              <a:t>Scientist</a:t>
+              <a:t>Data Scientist</a:t>
             </a:r>
           </a:p>
           <a:p>
@@ -3951,7 +3959,7 @@
           <a:p>
             <a:r>
               <a:rPr lang="en-US" dirty="0" smtClean="0"/>
-              <a:t>Executive Summary</a:t>
+              <a:t>Why this Talk?</a:t>
             </a:r>
             <a:endParaRPr lang="en-US" dirty="0"/>
           </a:p>
@@ -3972,6 +3980,51 @@
           <a:bodyPr/>
           <a:lstStyle/>
           <a:p>
+            <a:r>
+              <a:rPr lang="en-US" dirty="0" smtClean="0"/>
+              <a:t>Vendors selling deployment solutions</a:t>
+            </a:r>
+          </a:p>
+          <a:p>
+            <a:endParaRPr lang="en-US" dirty="0"/>
+          </a:p>
+          <a:p>
+            <a:r>
+              <a:rPr lang="en-US" dirty="0" smtClean="0"/>
+              <a:t>From a code perspective, not that difficult to do</a:t>
+            </a:r>
+          </a:p>
+          <a:p>
+            <a:endParaRPr lang="en-US" dirty="0"/>
+          </a:p>
+          <a:p>
+            <a:r>
+              <a:rPr lang="en-US" dirty="0" smtClean="0"/>
+              <a:t>Julia is a cool language</a:t>
+            </a:r>
+            <a:endParaRPr lang="en-US" dirty="0"/>
+          </a:p>
+        </p:txBody>
+      </p:sp>
+      <p:sp>
+        <p:nvSpPr>
+          <p:cNvPr id="4" name="Footer Placeholder 3"/>
+          <p:cNvSpPr>
+            <a:spLocks noGrp="1"/>
+          </p:cNvSpPr>
+          <p:nvPr>
+            <p:ph type="ftr" sz="quarter" idx="11"/>
+          </p:nvPr>
+        </p:nvSpPr>
+        <p:spPr/>
+        <p:txBody>
+          <a:bodyPr/>
+          <a:lstStyle/>
+          <a:p>
+            <a:r>
+              <a:rPr lang="en-US" smtClean="0"/>
+              <a:t>github.com/chasedehan/odsc_east_2018</a:t>
+            </a:r>
             <a:endParaRPr lang="en-US"/>
           </a:p>
         </p:txBody>
@@ -3979,7 +4032,7 @@
     </p:spTree>
     <p:extLst>
       <p:ext uri="{BB962C8B-B14F-4D97-AF65-F5344CB8AC3E}">
-        <p14:creationId xmlns:p14="http://schemas.microsoft.com/office/powerpoint/2010/main" val="4054609483"/>
+        <p14:creationId xmlns:p14="http://schemas.microsoft.com/office/powerpoint/2010/main" val="1486981489"/>
       </p:ext>
     </p:extLst>
   </p:cSld>
@@ -4023,7 +4076,7 @@
           <a:p>
             <a:r>
               <a:rPr lang="en-US" dirty="0" smtClean="0"/>
-              <a:t>Progressive Leasing</a:t>
+              <a:t>Why Julia?</a:t>
             </a:r>
             <a:endParaRPr lang="en-US" dirty="0"/>
           </a:p>
@@ -4041,165 +4094,623 @@
         </p:nvSpPr>
         <p:spPr/>
         <p:txBody>
-          <a:bodyPr/>
-          <a:lstStyle/>
-          <a:p>
-            <a:pPr marL="0" indent="0">
-              <a:buNone/>
-            </a:pPr>
+          <a:bodyPr>
+            <a:normAutofit fontScale="85000" lnSpcReduction="20000"/>
+          </a:bodyPr>
+          <a:lstStyle/>
+          <a:p>
             <a:r>
               <a:rPr lang="en-US" dirty="0" smtClean="0"/>
-              <a:t>My employer and sponsored this research.</a:t>
-            </a:r>
+              <a:t>“Walk like Python, Run like C”</a:t>
+            </a:r>
+          </a:p>
+          <a:p>
             <a:endParaRPr lang="en-US" dirty="0"/>
           </a:p>
-        </p:txBody>
-      </p:sp>
-      <p:sp>
-        <p:nvSpPr>
-          <p:cNvPr id="4" name="Rectangle 3"/>
-          <p:cNvSpPr/>
+          <a:p>
+            <a:r>
+              <a:rPr lang="en-US" dirty="0" smtClean="0"/>
+              <a:t>Performance gains and relatively easy transition from Python/R</a:t>
+            </a:r>
+          </a:p>
+          <a:p>
+            <a:endParaRPr lang="en-US" dirty="0"/>
+          </a:p>
+          <a:p>
+            <a:r>
+              <a:rPr lang="en-US" dirty="0" smtClean="0"/>
+              <a:t>Access to and integration with Python/C/R libraries</a:t>
+            </a:r>
+          </a:p>
+          <a:p>
+            <a:endParaRPr lang="en-US" dirty="0"/>
+          </a:p>
+          <a:p>
+            <a:r>
+              <a:rPr lang="en-US" dirty="0" smtClean="0"/>
+              <a:t>Can use loops rather than cryptic </a:t>
+            </a:r>
+            <a:r>
+              <a:rPr lang="en-US" dirty="0" err="1" smtClean="0"/>
+              <a:t>numpy</a:t>
+            </a:r>
+            <a:endParaRPr lang="en-US" dirty="0" smtClean="0"/>
+          </a:p>
+          <a:p>
+            <a:endParaRPr lang="en-US" dirty="0"/>
+          </a:p>
+          <a:p>
+            <a:r>
+              <a:rPr lang="en-US" dirty="0" smtClean="0"/>
+              <a:t>Optimized for machine learning</a:t>
+            </a:r>
+          </a:p>
+          <a:p>
+            <a:endParaRPr lang="en-US" dirty="0"/>
+          </a:p>
+          <a:p>
+            <a:r>
+              <a:rPr lang="en-US" dirty="0" smtClean="0"/>
+              <a:t>Julia 1.0 in a few months?</a:t>
+            </a:r>
+            <a:endParaRPr lang="en-US" dirty="0"/>
+          </a:p>
+        </p:txBody>
+      </p:sp>
+      <p:pic>
+        <p:nvPicPr>
+          <p:cNvPr id="1026" name="Picture 2" descr="Image result for julia lang"/>
+          <p:cNvPicPr>
+            <a:picLocks noChangeAspect="1" noChangeArrowheads="1"/>
+          </p:cNvPicPr>
           <p:nvPr/>
-        </p:nvSpPr>
-        <p:spPr>
+        </p:nvPicPr>
+        <p:blipFill>
+          <a:blip r:embed="rId2" cstate="print">
+            <a:extLst>
+              <a:ext uri="{28A0092B-C50C-407E-A947-70E740481C1C}">
+                <a14:useLocalDpi xmlns:a14="http://schemas.microsoft.com/office/drawing/2010/main" val="0"/>
+              </a:ext>
+            </a:extLst>
+          </a:blip>
+          <a:srcRect/>
+          <a:stretch>
+            <a:fillRect/>
+          </a:stretch>
+        </p:blipFill>
+        <p:spPr bwMode="auto">
           <a:xfrm>
-            <a:off x="838200" y="2888070"/>
-            <a:ext cx="10056223" cy="3539430"/>
+            <a:off x="7829005" y="268254"/>
+            <a:ext cx="3335383" cy="2254163"/>
           </a:xfrm>
           <a:prstGeom prst="rect">
             <a:avLst/>
           </a:prstGeom>
+          <a:noFill/>
+          <a:extLst>
+            <a:ext uri="{909E8E84-426E-40DD-AFC4-6F175D3DCCD1}">
+              <a14:hiddenFill xmlns:a14="http://schemas.microsoft.com/office/drawing/2010/main">
+                <a:solidFill>
+                  <a:srgbClr val="FFFFFF"/>
+                </a:solidFill>
+              </a14:hiddenFill>
+            </a:ext>
+          </a:extLst>
         </p:spPr>
-        <p:txBody>
-          <a:bodyPr wrap="square">
-            <a:spAutoFit/>
-          </a:bodyPr>
-          <a:lstStyle/>
-          <a:p>
-            <a:pPr marL="457200" indent="-457200">
-              <a:buFont typeface="Arial" panose="020B0604020202020204" pitchFamily="34" charset="0"/>
-              <a:buChar char="•"/>
-            </a:pPr>
-            <a:r>
-              <a:rPr lang="en-US" sz="2800" dirty="0"/>
-              <a:t>S</a:t>
-            </a:r>
-            <a:r>
-              <a:rPr lang="en-US" sz="2800" dirty="0" smtClean="0"/>
-              <a:t>ubsidiary </a:t>
-            </a:r>
-            <a:r>
-              <a:rPr lang="en-US" sz="2800" dirty="0"/>
-              <a:t>of Aaron’s (</a:t>
-            </a:r>
-            <a:r>
-              <a:rPr lang="en-US" sz="2800" dirty="0" smtClean="0"/>
-              <a:t>NYSE:AAN)</a:t>
-            </a:r>
-          </a:p>
-          <a:p>
-            <a:pPr marL="914400" lvl="1" indent="-457200">
-              <a:buFont typeface="Arial" panose="020B0604020202020204" pitchFamily="34" charset="0"/>
-              <a:buChar char="•"/>
-            </a:pPr>
-            <a:r>
-              <a:rPr lang="en-US" sz="2800" dirty="0" smtClean="0"/>
-              <a:t>Annual Revenue of ~ $3.2B</a:t>
-            </a:r>
-            <a:endParaRPr lang="en-US" sz="2800" dirty="0"/>
-          </a:p>
-          <a:p>
-            <a:pPr marL="457200" indent="-457200">
-              <a:buFont typeface="Arial" panose="020B0604020202020204" pitchFamily="34" charset="0"/>
-              <a:buChar char="•"/>
-            </a:pPr>
-            <a:r>
-              <a:rPr lang="en-US" sz="2800" dirty="0"/>
-              <a:t>Leader in virtual lease-to-own </a:t>
-            </a:r>
-          </a:p>
-          <a:p>
-            <a:pPr marL="457200" indent="-457200">
-              <a:buFont typeface="Arial" panose="020B0604020202020204" pitchFamily="34" charset="0"/>
-              <a:buChar char="•"/>
-            </a:pPr>
-            <a:r>
-              <a:rPr lang="en-US" sz="2800" dirty="0"/>
-              <a:t>Over 20,000 retail partners across US</a:t>
-            </a:r>
-          </a:p>
-          <a:p>
-            <a:pPr marL="457200" indent="-457200">
-              <a:buFont typeface="Arial" panose="020B0604020202020204" pitchFamily="34" charset="0"/>
-              <a:buChar char="•"/>
-            </a:pPr>
-            <a:r>
-              <a:rPr lang="en-US" sz="2800" dirty="0" smtClean="0"/>
-              <a:t>Team </a:t>
-            </a:r>
-            <a:r>
-              <a:rPr lang="en-US" sz="2800" dirty="0"/>
-              <a:t>of Data </a:t>
-            </a:r>
-            <a:r>
-              <a:rPr lang="en-US" sz="2800" dirty="0" smtClean="0"/>
-              <a:t>Scientists and Engineers:</a:t>
-            </a:r>
-          </a:p>
-          <a:p>
-            <a:pPr marL="914400" lvl="1" indent="-457200">
-              <a:buFont typeface="Arial" panose="020B0604020202020204" pitchFamily="34" charset="0"/>
-              <a:buChar char="•"/>
-            </a:pPr>
-            <a:r>
-              <a:rPr lang="en-US" sz="2800" dirty="0" smtClean="0"/>
-              <a:t>Credit Risk Modeling</a:t>
-            </a:r>
-          </a:p>
-          <a:p>
-            <a:pPr marL="914400" lvl="1" indent="-457200">
-              <a:buFont typeface="Arial" panose="020B0604020202020204" pitchFamily="34" charset="0"/>
-              <a:buChar char="•"/>
-            </a:pPr>
-            <a:r>
-              <a:rPr lang="en-US" sz="2800" dirty="0" smtClean="0"/>
-              <a:t>Collections Optimization</a:t>
-            </a:r>
-          </a:p>
-          <a:p>
-            <a:pPr marL="914400" lvl="1" indent="-457200">
-              <a:buFont typeface="Arial" panose="020B0604020202020204" pitchFamily="34" charset="0"/>
-              <a:buChar char="•"/>
-            </a:pPr>
-            <a:r>
-              <a:rPr lang="en-US" sz="2800" dirty="0" smtClean="0"/>
-              <a:t>Sales Optimization</a:t>
-            </a:r>
-            <a:endParaRPr lang="en-US" sz="2800" dirty="0"/>
+      </p:pic>
+      <p:sp>
+        <p:nvSpPr>
+          <p:cNvPr id="4" name="Footer Placeholder 3"/>
+          <p:cNvSpPr>
+            <a:spLocks noGrp="1"/>
+          </p:cNvSpPr>
+          <p:nvPr>
+            <p:ph type="ftr" sz="quarter" idx="11"/>
+          </p:nvPr>
+        </p:nvSpPr>
+        <p:spPr/>
+        <p:txBody>
+          <a:bodyPr/>
+          <a:lstStyle/>
+          <a:p>
+            <a:r>
+              <a:rPr lang="en-US" smtClean="0"/>
+              <a:t>github.com/chasedehan/odsc_east_2018</a:t>
+            </a:r>
+            <a:endParaRPr lang="en-US"/>
           </a:p>
         </p:txBody>
       </p:sp>
     </p:spTree>
     <p:extLst>
       <p:ext uri="{BB962C8B-B14F-4D97-AF65-F5344CB8AC3E}">
-        <p14:creationId xmlns:p14="http://schemas.microsoft.com/office/powerpoint/2010/main" val="704817504"/>
+        <p14:creationId xmlns:p14="http://schemas.microsoft.com/office/powerpoint/2010/main" val="1844225606"/>
       </p:ext>
     </p:extLst>
   </p:cSld>
   <p:clrMapOvr>
     <a:masterClrMapping/>
   </p:clrMapOvr>
-  <p:timing>
-    <p:tnLst>
-      <p:par>
-        <p:cTn id="1" dur="indefinite" restart="never" nodeType="tmRoot"/>
-      </p:par>
-    </p:tnLst>
-  </p:timing>
 </p:sld>
 </file>
 
 <file path=ppt/slides/slide4.xml><?xml version="1.0" encoding="utf-8"?>
+<p:sld xmlns:a="http://schemas.openxmlformats.org/drawingml/2006/main" xmlns:r="http://schemas.openxmlformats.org/officeDocument/2006/relationships" xmlns:p="http://schemas.openxmlformats.org/presentationml/2006/main">
+  <p:cSld>
+    <p:spTree>
+      <p:nvGrpSpPr>
+        <p:cNvPr id="1" name=""/>
+        <p:cNvGrpSpPr/>
+        <p:nvPr/>
+      </p:nvGrpSpPr>
+      <p:grpSpPr>
+        <a:xfrm>
+          <a:off x="0" y="0"/>
+          <a:ext cx="0" cy="0"/>
+          <a:chOff x="0" y="0"/>
+          <a:chExt cx="0" cy="0"/>
+        </a:xfrm>
+      </p:grpSpPr>
+      <p:sp>
+        <p:nvSpPr>
+          <p:cNvPr id="2" name="Title 1"/>
+          <p:cNvSpPr>
+            <a:spLocks noGrp="1"/>
+          </p:cNvSpPr>
+          <p:nvPr>
+            <p:ph type="title"/>
+          </p:nvPr>
+        </p:nvSpPr>
+        <p:spPr/>
+        <p:txBody>
+          <a:bodyPr/>
+          <a:lstStyle/>
+          <a:p>
+            <a:r>
+              <a:rPr lang="en-US" dirty="0" smtClean="0"/>
+              <a:t>Why a RESTful API for </a:t>
+            </a:r>
+            <a:r>
+              <a:rPr lang="en-US" smtClean="0"/>
+              <a:t>model deployment?</a:t>
+            </a:r>
+            <a:endParaRPr lang="en-US"/>
+          </a:p>
+        </p:txBody>
+      </p:sp>
+      <p:sp>
+        <p:nvSpPr>
+          <p:cNvPr id="3" name="Content Placeholder 2"/>
+          <p:cNvSpPr>
+            <a:spLocks noGrp="1"/>
+          </p:cNvSpPr>
+          <p:nvPr>
+            <p:ph idx="1"/>
+          </p:nvPr>
+        </p:nvSpPr>
+        <p:spPr/>
+        <p:txBody>
+          <a:bodyPr/>
+          <a:lstStyle/>
+          <a:p>
+            <a:r>
+              <a:rPr lang="en-US" dirty="0" smtClean="0"/>
+              <a:t>Stateless</a:t>
+            </a:r>
+          </a:p>
+          <a:p>
+            <a:endParaRPr lang="en-US" dirty="0" smtClean="0"/>
+          </a:p>
+          <a:p>
+            <a:r>
+              <a:rPr lang="en-US" dirty="0" smtClean="0"/>
+              <a:t>Uniform interface (POST, GET)</a:t>
+            </a:r>
+          </a:p>
+          <a:p>
+            <a:pPr lvl="1"/>
+            <a:r>
+              <a:rPr lang="en-US" dirty="0" smtClean="0"/>
+              <a:t>POST supplies additional data (i.e. JSON, XML)</a:t>
+            </a:r>
+          </a:p>
+          <a:p>
+            <a:pPr lvl="1"/>
+            <a:r>
+              <a:rPr lang="en-US" dirty="0" smtClean="0"/>
+              <a:t>GET has everything in the URL</a:t>
+            </a:r>
+          </a:p>
+          <a:p>
+            <a:endParaRPr lang="en-US" dirty="0" smtClean="0"/>
+          </a:p>
+          <a:p>
+            <a:r>
+              <a:rPr lang="en-US" dirty="0" smtClean="0"/>
+              <a:t>De-coupled</a:t>
+            </a:r>
+          </a:p>
+          <a:p>
+            <a:endParaRPr lang="en-US" dirty="0" smtClean="0"/>
+          </a:p>
+          <a:p>
+            <a:r>
+              <a:rPr lang="en-US" dirty="0" smtClean="0"/>
+              <a:t>Can be a different language</a:t>
+            </a:r>
+          </a:p>
+          <a:p>
+            <a:pPr marL="0" indent="0">
+              <a:buNone/>
+            </a:pPr>
+            <a:endParaRPr lang="en-US" dirty="0"/>
+          </a:p>
+        </p:txBody>
+      </p:sp>
+      <p:sp>
+        <p:nvSpPr>
+          <p:cNvPr id="4" name="Footer Placeholder 3"/>
+          <p:cNvSpPr>
+            <a:spLocks noGrp="1"/>
+          </p:cNvSpPr>
+          <p:nvPr>
+            <p:ph type="ftr" sz="quarter" idx="11"/>
+          </p:nvPr>
+        </p:nvSpPr>
+        <p:spPr/>
+        <p:txBody>
+          <a:bodyPr/>
+          <a:lstStyle/>
+          <a:p>
+            <a:r>
+              <a:rPr lang="en-US" smtClean="0"/>
+              <a:t>github.com/chasedehan/odsc_east_2018</a:t>
+            </a:r>
+            <a:endParaRPr lang="en-US"/>
+          </a:p>
+        </p:txBody>
+      </p:sp>
+    </p:spTree>
+    <p:extLst>
+      <p:ext uri="{BB962C8B-B14F-4D97-AF65-F5344CB8AC3E}">
+        <p14:creationId xmlns:p14="http://schemas.microsoft.com/office/powerpoint/2010/main" val="3970243339"/>
+      </p:ext>
+    </p:extLst>
+  </p:cSld>
+  <p:clrMapOvr>
+    <a:masterClrMapping/>
+  </p:clrMapOvr>
+</p:sld>
+</file>
+
+<file path=ppt/slides/slide5.xml><?xml version="1.0" encoding="utf-8"?>
+<p:sld xmlns:a="http://schemas.openxmlformats.org/drawingml/2006/main" xmlns:r="http://schemas.openxmlformats.org/officeDocument/2006/relationships" xmlns:p="http://schemas.openxmlformats.org/presentationml/2006/main">
+  <p:cSld>
+    <p:spTree>
+      <p:nvGrpSpPr>
+        <p:cNvPr id="1" name=""/>
+        <p:cNvGrpSpPr/>
+        <p:nvPr/>
+      </p:nvGrpSpPr>
+      <p:grpSpPr>
+        <a:xfrm>
+          <a:off x="0" y="0"/>
+          <a:ext cx="0" cy="0"/>
+          <a:chOff x="0" y="0"/>
+          <a:chExt cx="0" cy="0"/>
+        </a:xfrm>
+      </p:grpSpPr>
+      <p:sp>
+        <p:nvSpPr>
+          <p:cNvPr id="2" name="Title 1"/>
+          <p:cNvSpPr>
+            <a:spLocks noGrp="1"/>
+          </p:cNvSpPr>
+          <p:nvPr>
+            <p:ph type="title"/>
+          </p:nvPr>
+        </p:nvSpPr>
+        <p:spPr/>
+        <p:txBody>
+          <a:bodyPr/>
+          <a:lstStyle/>
+          <a:p>
+            <a:r>
+              <a:rPr lang="en-US" dirty="0" smtClean="0"/>
+              <a:t>Model Build in Python</a:t>
+            </a:r>
+            <a:endParaRPr lang="en-US" dirty="0"/>
+          </a:p>
+        </p:txBody>
+      </p:sp>
+      <p:sp>
+        <p:nvSpPr>
+          <p:cNvPr id="3" name="Content Placeholder 2"/>
+          <p:cNvSpPr>
+            <a:spLocks noGrp="1"/>
+          </p:cNvSpPr>
+          <p:nvPr>
+            <p:ph idx="1"/>
+          </p:nvPr>
+        </p:nvSpPr>
+        <p:spPr/>
+        <p:txBody>
+          <a:bodyPr/>
+          <a:lstStyle/>
+          <a:p>
+            <a:r>
+              <a:rPr lang="en-US" dirty="0" smtClean="0"/>
+              <a:t>Just for comparisons sake and to demonstrate how you might do this in Python/Flask</a:t>
+            </a:r>
+          </a:p>
+          <a:p>
+            <a:endParaRPr lang="en-US" dirty="0"/>
+          </a:p>
+          <a:p>
+            <a:pPr marL="0" indent="0">
+              <a:buNone/>
+            </a:pPr>
+            <a:r>
+              <a:rPr lang="en-US" dirty="0" smtClean="0"/>
+              <a:t>python_model_build.py</a:t>
+            </a:r>
+            <a:endParaRPr lang="en-US" dirty="0"/>
+          </a:p>
+        </p:txBody>
+      </p:sp>
+      <p:sp>
+        <p:nvSpPr>
+          <p:cNvPr id="4" name="Footer Placeholder 3"/>
+          <p:cNvSpPr>
+            <a:spLocks noGrp="1"/>
+          </p:cNvSpPr>
+          <p:nvPr>
+            <p:ph type="ftr" sz="quarter" idx="11"/>
+          </p:nvPr>
+        </p:nvSpPr>
+        <p:spPr/>
+        <p:txBody>
+          <a:bodyPr/>
+          <a:lstStyle/>
+          <a:p>
+            <a:r>
+              <a:rPr lang="en-US" smtClean="0"/>
+              <a:t>github.com/chasedehan/odsc_east_2018</a:t>
+            </a:r>
+            <a:endParaRPr lang="en-US"/>
+          </a:p>
+        </p:txBody>
+      </p:sp>
+    </p:spTree>
+    <p:extLst>
+      <p:ext uri="{BB962C8B-B14F-4D97-AF65-F5344CB8AC3E}">
+        <p14:creationId xmlns:p14="http://schemas.microsoft.com/office/powerpoint/2010/main" val="2222378217"/>
+      </p:ext>
+    </p:extLst>
+  </p:cSld>
+  <p:clrMapOvr>
+    <a:masterClrMapping/>
+  </p:clrMapOvr>
+</p:sld>
+</file>
+
+<file path=ppt/slides/slide6.xml><?xml version="1.0" encoding="utf-8"?>
+<p:sld xmlns:a="http://schemas.openxmlformats.org/drawingml/2006/main" xmlns:r="http://schemas.openxmlformats.org/officeDocument/2006/relationships" xmlns:p="http://schemas.openxmlformats.org/presentationml/2006/main">
+  <p:cSld>
+    <p:spTree>
+      <p:nvGrpSpPr>
+        <p:cNvPr id="1" name=""/>
+        <p:cNvGrpSpPr/>
+        <p:nvPr/>
+      </p:nvGrpSpPr>
+      <p:grpSpPr>
+        <a:xfrm>
+          <a:off x="0" y="0"/>
+          <a:ext cx="0" cy="0"/>
+          <a:chOff x="0" y="0"/>
+          <a:chExt cx="0" cy="0"/>
+        </a:xfrm>
+      </p:grpSpPr>
+      <p:sp>
+        <p:nvSpPr>
+          <p:cNvPr id="2" name="Title 1"/>
+          <p:cNvSpPr>
+            <a:spLocks noGrp="1"/>
+          </p:cNvSpPr>
+          <p:nvPr>
+            <p:ph type="title"/>
+          </p:nvPr>
+        </p:nvSpPr>
+        <p:spPr/>
+        <p:txBody>
+          <a:bodyPr/>
+          <a:lstStyle/>
+          <a:p>
+            <a:r>
+              <a:rPr lang="en-US" dirty="0" smtClean="0"/>
+              <a:t>Basic Julia Example</a:t>
+            </a:r>
+            <a:endParaRPr lang="en-US" dirty="0"/>
+          </a:p>
+        </p:txBody>
+      </p:sp>
+      <p:sp>
+        <p:nvSpPr>
+          <p:cNvPr id="3" name="Content Placeholder 2"/>
+          <p:cNvSpPr>
+            <a:spLocks noGrp="1"/>
+          </p:cNvSpPr>
+          <p:nvPr>
+            <p:ph idx="1"/>
+          </p:nvPr>
+        </p:nvSpPr>
+        <p:spPr/>
+        <p:txBody>
+          <a:bodyPr/>
+          <a:lstStyle/>
+          <a:p>
+            <a:pPr marL="0" indent="0">
+              <a:buNone/>
+            </a:pPr>
+            <a:r>
+              <a:rPr lang="en-US" dirty="0" err="1" smtClean="0"/>
+              <a:t>julia_example.jl</a:t>
+            </a:r>
+            <a:endParaRPr lang="en-US" dirty="0" smtClean="0"/>
+          </a:p>
+          <a:p>
+            <a:pPr marL="0" indent="0">
+              <a:buNone/>
+            </a:pPr>
+            <a:endParaRPr lang="en-US" dirty="0"/>
+          </a:p>
+          <a:p>
+            <a:pPr marL="0" indent="0">
+              <a:buNone/>
+            </a:pPr>
+            <a:endParaRPr lang="en-US" dirty="0"/>
+          </a:p>
+        </p:txBody>
+      </p:sp>
+      <p:sp>
+        <p:nvSpPr>
+          <p:cNvPr id="4" name="Footer Placeholder 3"/>
+          <p:cNvSpPr>
+            <a:spLocks noGrp="1"/>
+          </p:cNvSpPr>
+          <p:nvPr>
+            <p:ph type="ftr" sz="quarter" idx="11"/>
+          </p:nvPr>
+        </p:nvSpPr>
+        <p:spPr/>
+        <p:txBody>
+          <a:bodyPr/>
+          <a:lstStyle/>
+          <a:p>
+            <a:r>
+              <a:rPr lang="en-US" smtClean="0"/>
+              <a:t>github.com/chasedehan/odsc_east_2018</a:t>
+            </a:r>
+            <a:endParaRPr lang="en-US"/>
+          </a:p>
+        </p:txBody>
+      </p:sp>
+    </p:spTree>
+    <p:extLst>
+      <p:ext uri="{BB962C8B-B14F-4D97-AF65-F5344CB8AC3E}">
+        <p14:creationId xmlns:p14="http://schemas.microsoft.com/office/powerpoint/2010/main" val="3346711784"/>
+      </p:ext>
+    </p:extLst>
+  </p:cSld>
+  <p:clrMapOvr>
+    <a:masterClrMapping/>
+  </p:clrMapOvr>
+</p:sld>
+</file>
+
+<file path=ppt/slides/slide7.xml><?xml version="1.0" encoding="utf-8"?>
+<p:sld xmlns:a="http://schemas.openxmlformats.org/drawingml/2006/main" xmlns:r="http://schemas.openxmlformats.org/officeDocument/2006/relationships" xmlns:p="http://schemas.openxmlformats.org/presentationml/2006/main">
+  <p:cSld>
+    <p:spTree>
+      <p:nvGrpSpPr>
+        <p:cNvPr id="1" name=""/>
+        <p:cNvGrpSpPr/>
+        <p:nvPr/>
+      </p:nvGrpSpPr>
+      <p:grpSpPr>
+        <a:xfrm>
+          <a:off x="0" y="0"/>
+          <a:ext cx="0" cy="0"/>
+          <a:chOff x="0" y="0"/>
+          <a:chExt cx="0" cy="0"/>
+        </a:xfrm>
+      </p:grpSpPr>
+      <p:sp>
+        <p:nvSpPr>
+          <p:cNvPr id="2" name="Title 1"/>
+          <p:cNvSpPr>
+            <a:spLocks noGrp="1"/>
+          </p:cNvSpPr>
+          <p:nvPr>
+            <p:ph type="title"/>
+          </p:nvPr>
+        </p:nvSpPr>
+        <p:spPr/>
+        <p:txBody>
+          <a:bodyPr/>
+          <a:lstStyle/>
+          <a:p>
+            <a:r>
+              <a:rPr lang="en-US" dirty="0" smtClean="0"/>
+              <a:t>Now, implement a Julia API</a:t>
+            </a:r>
+            <a:endParaRPr lang="en-US" dirty="0"/>
+          </a:p>
+        </p:txBody>
+      </p:sp>
+      <p:sp>
+        <p:nvSpPr>
+          <p:cNvPr id="3" name="Content Placeholder 2"/>
+          <p:cNvSpPr>
+            <a:spLocks noGrp="1"/>
+          </p:cNvSpPr>
+          <p:nvPr>
+            <p:ph idx="1"/>
+          </p:nvPr>
+        </p:nvSpPr>
+        <p:spPr/>
+        <p:txBody>
+          <a:bodyPr/>
+          <a:lstStyle/>
+          <a:p>
+            <a:pPr marL="0" indent="0">
+              <a:buNone/>
+            </a:pPr>
+            <a:r>
+              <a:rPr lang="en-US" dirty="0" err="1" smtClean="0"/>
+              <a:t>julia_web_server.jl</a:t>
+            </a:r>
+            <a:endParaRPr lang="en-US" dirty="0"/>
+          </a:p>
+        </p:txBody>
+      </p:sp>
+      <p:sp>
+        <p:nvSpPr>
+          <p:cNvPr id="4" name="Footer Placeholder 3"/>
+          <p:cNvSpPr>
+            <a:spLocks noGrp="1"/>
+          </p:cNvSpPr>
+          <p:nvPr>
+            <p:ph type="ftr" sz="quarter" idx="11"/>
+          </p:nvPr>
+        </p:nvSpPr>
+        <p:spPr/>
+        <p:txBody>
+          <a:bodyPr/>
+          <a:lstStyle/>
+          <a:p>
+            <a:r>
+              <a:rPr lang="en-US" smtClean="0"/>
+              <a:t>github.com/chasedehan/odsc_east_2018</a:t>
+            </a:r>
+            <a:endParaRPr lang="en-US"/>
+          </a:p>
+        </p:txBody>
+      </p:sp>
+    </p:spTree>
+    <p:extLst>
+      <p:ext uri="{BB962C8B-B14F-4D97-AF65-F5344CB8AC3E}">
+        <p14:creationId xmlns:p14="http://schemas.microsoft.com/office/powerpoint/2010/main" val="2527576248"/>
+      </p:ext>
+    </p:extLst>
+  </p:cSld>
+  <p:clrMapOvr>
+    <a:masterClrMapping/>
+  </p:clrMapOvr>
+</p:sld>
+</file>
+
+<file path=ppt/slides/slide8.xml><?xml version="1.0" encoding="utf-8"?>
 <p:sld xmlns:a="http://schemas.openxmlformats.org/drawingml/2006/main" xmlns:r="http://schemas.openxmlformats.org/officeDocument/2006/relationships" xmlns:p="http://schemas.openxmlformats.org/presentationml/2006/main">
   <p:cSld>
     <p:spTree>
@@ -4257,6 +4768,29 @@
           </a:extLst>
         </p:spPr>
       </p:pic>
+      <p:sp>
+        <p:nvSpPr>
+          <p:cNvPr id="2" name="Footer Placeholder 1"/>
+          <p:cNvSpPr>
+            <a:spLocks noGrp="1"/>
+          </p:cNvSpPr>
+          <p:nvPr>
+            <p:ph type="ftr" sz="quarter" idx="11"/>
+          </p:nvPr>
+        </p:nvSpPr>
+        <p:spPr/>
+        <p:txBody>
+          <a:bodyPr/>
+          <a:lstStyle/>
+          <a:p>
+            <a:r>
+              <a:rPr lang="en-US" smtClean="0"/>
+              <a:t>github.com/chasedehan/odsc_east_2018</a:t>
+            </a:r>
+            <a:endParaRPr lang="en-US"/>
+          </a:p>
+        </p:txBody>
+      </p:sp>
     </p:spTree>
     <p:extLst>
       <p:ext uri="{BB962C8B-B14F-4D97-AF65-F5344CB8AC3E}">
@@ -4274,150 +4808,6 @@
       </p:par>
     </p:tnLst>
   </p:timing>
-</p:sld>
-</file>
-
-<file path=ppt/slides/slide5.xml><?xml version="1.0" encoding="utf-8"?>
-<p:sld xmlns:a="http://schemas.openxmlformats.org/drawingml/2006/main" xmlns:r="http://schemas.openxmlformats.org/officeDocument/2006/relationships" xmlns:p="http://schemas.openxmlformats.org/presentationml/2006/main">
-  <p:cSld>
-    <p:spTree>
-      <p:nvGrpSpPr>
-        <p:cNvPr id="1" name=""/>
-        <p:cNvGrpSpPr/>
-        <p:nvPr/>
-      </p:nvGrpSpPr>
-      <p:grpSpPr>
-        <a:xfrm>
-          <a:off x="0" y="0"/>
-          <a:ext cx="0" cy="0"/>
-          <a:chOff x="0" y="0"/>
-          <a:chExt cx="0" cy="0"/>
-        </a:xfrm>
-      </p:grpSpPr>
-      <p:sp>
-        <p:nvSpPr>
-          <p:cNvPr id="2" name="Title 1"/>
-          <p:cNvSpPr>
-            <a:spLocks noGrp="1"/>
-          </p:cNvSpPr>
-          <p:nvPr>
-            <p:ph type="title"/>
-          </p:nvPr>
-        </p:nvSpPr>
-        <p:spPr/>
-        <p:txBody>
-          <a:bodyPr/>
-          <a:lstStyle/>
-          <a:p>
-            <a:r>
-              <a:rPr lang="en-US" dirty="0" smtClean="0"/>
-              <a:t>Why Julia?</a:t>
-            </a:r>
-            <a:endParaRPr lang="en-US" dirty="0"/>
-          </a:p>
-        </p:txBody>
-      </p:sp>
-      <p:sp>
-        <p:nvSpPr>
-          <p:cNvPr id="3" name="Content Placeholder 2"/>
-          <p:cNvSpPr>
-            <a:spLocks noGrp="1"/>
-          </p:cNvSpPr>
-          <p:nvPr>
-            <p:ph idx="1"/>
-          </p:nvPr>
-        </p:nvSpPr>
-        <p:spPr/>
-        <p:txBody>
-          <a:bodyPr/>
-          <a:lstStyle/>
-          <a:p>
-            <a:endParaRPr lang="en-US"/>
-          </a:p>
-        </p:txBody>
-      </p:sp>
-    </p:spTree>
-    <p:extLst>
-      <p:ext uri="{BB962C8B-B14F-4D97-AF65-F5344CB8AC3E}">
-        <p14:creationId xmlns:p14="http://schemas.microsoft.com/office/powerpoint/2010/main" val="1844225606"/>
-      </p:ext>
-    </p:extLst>
-  </p:cSld>
-  <p:clrMapOvr>
-    <a:masterClrMapping/>
-  </p:clrMapOvr>
-</p:sld>
-</file>
-
-<file path=ppt/slides/slide6.xml><?xml version="1.0" encoding="utf-8"?>
-<p:sld xmlns:a="http://schemas.openxmlformats.org/drawingml/2006/main" xmlns:r="http://schemas.openxmlformats.org/officeDocument/2006/relationships" xmlns:p="http://schemas.openxmlformats.org/presentationml/2006/main">
-  <p:cSld>
-    <p:spTree>
-      <p:nvGrpSpPr>
-        <p:cNvPr id="1" name=""/>
-        <p:cNvGrpSpPr/>
-        <p:nvPr/>
-      </p:nvGrpSpPr>
-      <p:grpSpPr>
-        <a:xfrm>
-          <a:off x="0" y="0"/>
-          <a:ext cx="0" cy="0"/>
-          <a:chOff x="0" y="0"/>
-          <a:chExt cx="0" cy="0"/>
-        </a:xfrm>
-      </p:grpSpPr>
-      <p:sp>
-        <p:nvSpPr>
-          <p:cNvPr id="2" name="Title 1"/>
-          <p:cNvSpPr>
-            <a:spLocks noGrp="1"/>
-          </p:cNvSpPr>
-          <p:nvPr>
-            <p:ph type="title"/>
-          </p:nvPr>
-        </p:nvSpPr>
-        <p:spPr/>
-        <p:txBody>
-          <a:bodyPr/>
-          <a:lstStyle/>
-          <a:p>
-            <a:r>
-              <a:rPr lang="en-US" dirty="0" smtClean="0"/>
-              <a:t>Why not Julia?</a:t>
-            </a:r>
-            <a:endParaRPr lang="en-US" dirty="0"/>
-          </a:p>
-        </p:txBody>
-      </p:sp>
-      <p:sp>
-        <p:nvSpPr>
-          <p:cNvPr id="3" name="Content Placeholder 2"/>
-          <p:cNvSpPr>
-            <a:spLocks noGrp="1"/>
-          </p:cNvSpPr>
-          <p:nvPr>
-            <p:ph idx="1"/>
-          </p:nvPr>
-        </p:nvSpPr>
-        <p:spPr/>
-        <p:txBody>
-          <a:bodyPr/>
-          <a:lstStyle/>
-          <a:p>
-            <a:endParaRPr lang="en-US"/>
-          </a:p>
-        </p:txBody>
-      </p:sp>
-    </p:spTree>
-    <p:extLst>
-      <p:ext uri="{BB962C8B-B14F-4D97-AF65-F5344CB8AC3E}">
-        <p14:creationId xmlns:p14="http://schemas.microsoft.com/office/powerpoint/2010/main" val="3916820517"/>
-      </p:ext>
-    </p:extLst>
-  </p:cSld>
-  <p:clrMapOvr>
-    <a:masterClrMapping/>
-  </p:clrMapOvr>
 </p:sld>
 </file>
 

--- a/Building and Deploying Models in Julia.pptx
+++ b/Building and Deploying Models in Julia.pptx
@@ -5,17 +5,19 @@
     <p:sldMasterId id="2147483648" r:id="rId1"/>
   </p:sldMasterIdLst>
   <p:notesMasterIdLst>
-    <p:notesMasterId r:id="rId10"/>
+    <p:notesMasterId r:id="rId12"/>
   </p:notesMasterIdLst>
   <p:sldIdLst>
     <p:sldId id="257" r:id="rId2"/>
     <p:sldId id="266" r:id="rId3"/>
     <p:sldId id="262" r:id="rId4"/>
     <p:sldId id="264" r:id="rId5"/>
-    <p:sldId id="267" r:id="rId6"/>
-    <p:sldId id="265" r:id="rId7"/>
-    <p:sldId id="268" r:id="rId8"/>
-    <p:sldId id="261" r:id="rId9"/>
+    <p:sldId id="269" r:id="rId6"/>
+    <p:sldId id="270" r:id="rId7"/>
+    <p:sldId id="267" r:id="rId8"/>
+    <p:sldId id="265" r:id="rId9"/>
+    <p:sldId id="268" r:id="rId10"/>
+    <p:sldId id="261" r:id="rId11"/>
   </p:sldIdLst>
   <p:sldSz cx="12192000" cy="6858000"/>
   <p:notesSz cx="6858000" cy="9144000"/>
@@ -204,7 +206,7 @@
           <a:p>
             <a:fld id="{9B0C8030-840E-4191-9E00-F0BF976159AB}" type="datetimeFigureOut">
               <a:rPr lang="en-US" smtClean="0"/>
-              <a:t>5/3/2018</a:t>
+              <a:t>5/4/2018</a:t>
             </a:fld>
             <a:endParaRPr lang="en-US"/>
           </a:p>
@@ -725,7 +727,7 @@
           <a:p>
             <a:fld id="{01778F1A-A18F-4686-8561-C86BF339F812}" type="datetime1">
               <a:rPr lang="en-US" smtClean="0"/>
-              <a:t>5/3/2018</a:t>
+              <a:t>5/4/2018</a:t>
             </a:fld>
             <a:endParaRPr lang="en-US"/>
           </a:p>
@@ -899,7 +901,7 @@
           <a:p>
             <a:fld id="{D3862474-6691-4E38-93FB-4D524248E7FB}" type="datetime1">
               <a:rPr lang="en-US" smtClean="0"/>
-              <a:t>5/3/2018</a:t>
+              <a:t>5/4/2018</a:t>
             </a:fld>
             <a:endParaRPr lang="en-US"/>
           </a:p>
@@ -1083,7 +1085,7 @@
           <a:p>
             <a:fld id="{769A299A-7791-4AD3-AB05-1CDC6CA3EA06}" type="datetime1">
               <a:rPr lang="en-US" smtClean="0"/>
-              <a:t>5/3/2018</a:t>
+              <a:t>5/4/2018</a:t>
             </a:fld>
             <a:endParaRPr lang="en-US"/>
           </a:p>
@@ -1257,7 +1259,7 @@
           <a:p>
             <a:fld id="{663E92AD-E7AA-4B43-BADD-8C189EFC3A57}" type="datetime1">
               <a:rPr lang="en-US" smtClean="0"/>
-              <a:t>5/3/2018</a:t>
+              <a:t>5/4/2018</a:t>
             </a:fld>
             <a:endParaRPr lang="en-US"/>
           </a:p>
@@ -1507,7 +1509,7 @@
           <a:p>
             <a:fld id="{B3BBB6F4-D33F-4C93-BE4D-CF8BD3B91855}" type="datetime1">
               <a:rPr lang="en-US" smtClean="0"/>
-              <a:t>5/3/2018</a:t>
+              <a:t>5/4/2018</a:t>
             </a:fld>
             <a:endParaRPr lang="en-US"/>
           </a:p>
@@ -1743,7 +1745,7 @@
           <a:p>
             <a:fld id="{028C225B-68F1-4DA0-83AE-6AC39851E150}" type="datetime1">
               <a:rPr lang="en-US" smtClean="0"/>
-              <a:t>5/3/2018</a:t>
+              <a:t>5/4/2018</a:t>
             </a:fld>
             <a:endParaRPr lang="en-US"/>
           </a:p>
@@ -2114,7 +2116,7 @@
           <a:p>
             <a:fld id="{AB4FC39A-19DB-4709-9EBD-72AE1804D5EC}" type="datetime1">
               <a:rPr lang="en-US" smtClean="0"/>
-              <a:t>5/3/2018</a:t>
+              <a:t>5/4/2018</a:t>
             </a:fld>
             <a:endParaRPr lang="en-US"/>
           </a:p>
@@ -2236,7 +2238,7 @@
           <a:p>
             <a:fld id="{2E458153-ECEE-4EAF-AC97-D311BC25EA98}" type="datetime1">
               <a:rPr lang="en-US" smtClean="0"/>
-              <a:t>5/3/2018</a:t>
+              <a:t>5/4/2018</a:t>
             </a:fld>
             <a:endParaRPr lang="en-US"/>
           </a:p>
@@ -2335,7 +2337,7 @@
           <a:p>
             <a:fld id="{8B6898BF-8601-4D6C-BDFF-76053A861BEB}" type="datetime1">
               <a:rPr lang="en-US" smtClean="0"/>
-              <a:t>5/3/2018</a:t>
+              <a:t>5/4/2018</a:t>
             </a:fld>
             <a:endParaRPr lang="en-US"/>
           </a:p>
@@ -2616,7 +2618,7 @@
           <a:p>
             <a:fld id="{8DF158D7-57B7-457F-B494-148B05D3772B}" type="datetime1">
               <a:rPr lang="en-US" smtClean="0"/>
-              <a:t>5/3/2018</a:t>
+              <a:t>5/4/2018</a:t>
             </a:fld>
             <a:endParaRPr lang="en-US"/>
           </a:p>
@@ -2873,7 +2875,7 @@
           <a:p>
             <a:fld id="{A2E48E8B-C7CD-4C2C-BC46-8D30FD3F0584}" type="datetime1">
               <a:rPr lang="en-US" smtClean="0"/>
-              <a:t>5/3/2018</a:t>
+              <a:t>5/4/2018</a:t>
             </a:fld>
             <a:endParaRPr lang="en-US"/>
           </a:p>
@@ -3090,7 +3092,7 @@
           <a:p>
             <a:fld id="{12291378-00CF-4DD9-AAC7-687D76DB7AEB}" type="datetime1">
               <a:rPr lang="en-US" smtClean="0"/>
-              <a:t>5/3/2018</a:t>
+              <a:t>5/4/2018</a:t>
             </a:fld>
             <a:endParaRPr lang="en-US"/>
           </a:p>
@@ -3925,792 +3927,7 @@
 </p:sld>
 </file>
 
-<file path=ppt/slides/slide2.xml><?xml version="1.0" encoding="utf-8"?>
-<p:sld xmlns:a="http://schemas.openxmlformats.org/drawingml/2006/main" xmlns:r="http://schemas.openxmlformats.org/officeDocument/2006/relationships" xmlns:p="http://schemas.openxmlformats.org/presentationml/2006/main">
-  <p:cSld>
-    <p:spTree>
-      <p:nvGrpSpPr>
-        <p:cNvPr id="1" name=""/>
-        <p:cNvGrpSpPr/>
-        <p:nvPr/>
-      </p:nvGrpSpPr>
-      <p:grpSpPr>
-        <a:xfrm>
-          <a:off x="0" y="0"/>
-          <a:ext cx="0" cy="0"/>
-          <a:chOff x="0" y="0"/>
-          <a:chExt cx="0" cy="0"/>
-        </a:xfrm>
-      </p:grpSpPr>
-      <p:sp>
-        <p:nvSpPr>
-          <p:cNvPr id="2" name="Title 1"/>
-          <p:cNvSpPr>
-            <a:spLocks noGrp="1"/>
-          </p:cNvSpPr>
-          <p:nvPr>
-            <p:ph type="title"/>
-          </p:nvPr>
-        </p:nvSpPr>
-        <p:spPr/>
-        <p:txBody>
-          <a:bodyPr/>
-          <a:lstStyle/>
-          <a:p>
-            <a:r>
-              <a:rPr lang="en-US" dirty="0" smtClean="0"/>
-              <a:t>Why this Talk?</a:t>
-            </a:r>
-            <a:endParaRPr lang="en-US" dirty="0"/>
-          </a:p>
-        </p:txBody>
-      </p:sp>
-      <p:sp>
-        <p:nvSpPr>
-          <p:cNvPr id="3" name="Content Placeholder 2"/>
-          <p:cNvSpPr>
-            <a:spLocks noGrp="1"/>
-          </p:cNvSpPr>
-          <p:nvPr>
-            <p:ph idx="1"/>
-          </p:nvPr>
-        </p:nvSpPr>
-        <p:spPr/>
-        <p:txBody>
-          <a:bodyPr/>
-          <a:lstStyle/>
-          <a:p>
-            <a:r>
-              <a:rPr lang="en-US" dirty="0" smtClean="0"/>
-              <a:t>Vendors selling deployment solutions</a:t>
-            </a:r>
-          </a:p>
-          <a:p>
-            <a:endParaRPr lang="en-US" dirty="0"/>
-          </a:p>
-          <a:p>
-            <a:r>
-              <a:rPr lang="en-US" dirty="0" smtClean="0"/>
-              <a:t>From a code perspective, not that difficult to do</a:t>
-            </a:r>
-          </a:p>
-          <a:p>
-            <a:endParaRPr lang="en-US" dirty="0"/>
-          </a:p>
-          <a:p>
-            <a:r>
-              <a:rPr lang="en-US" dirty="0" smtClean="0"/>
-              <a:t>Julia is a cool language</a:t>
-            </a:r>
-            <a:endParaRPr lang="en-US" dirty="0"/>
-          </a:p>
-        </p:txBody>
-      </p:sp>
-      <p:sp>
-        <p:nvSpPr>
-          <p:cNvPr id="4" name="Footer Placeholder 3"/>
-          <p:cNvSpPr>
-            <a:spLocks noGrp="1"/>
-          </p:cNvSpPr>
-          <p:nvPr>
-            <p:ph type="ftr" sz="quarter" idx="11"/>
-          </p:nvPr>
-        </p:nvSpPr>
-        <p:spPr/>
-        <p:txBody>
-          <a:bodyPr/>
-          <a:lstStyle/>
-          <a:p>
-            <a:r>
-              <a:rPr lang="en-US" smtClean="0"/>
-              <a:t>github.com/chasedehan/odsc_east_2018</a:t>
-            </a:r>
-            <a:endParaRPr lang="en-US"/>
-          </a:p>
-        </p:txBody>
-      </p:sp>
-    </p:spTree>
-    <p:extLst>
-      <p:ext uri="{BB962C8B-B14F-4D97-AF65-F5344CB8AC3E}">
-        <p14:creationId xmlns:p14="http://schemas.microsoft.com/office/powerpoint/2010/main" val="1486981489"/>
-      </p:ext>
-    </p:extLst>
-  </p:cSld>
-  <p:clrMapOvr>
-    <a:masterClrMapping/>
-  </p:clrMapOvr>
-</p:sld>
-</file>
-
-<file path=ppt/slides/slide3.xml><?xml version="1.0" encoding="utf-8"?>
-<p:sld xmlns:a="http://schemas.openxmlformats.org/drawingml/2006/main" xmlns:r="http://schemas.openxmlformats.org/officeDocument/2006/relationships" xmlns:p="http://schemas.openxmlformats.org/presentationml/2006/main">
-  <p:cSld>
-    <p:spTree>
-      <p:nvGrpSpPr>
-        <p:cNvPr id="1" name=""/>
-        <p:cNvGrpSpPr/>
-        <p:nvPr/>
-      </p:nvGrpSpPr>
-      <p:grpSpPr>
-        <a:xfrm>
-          <a:off x="0" y="0"/>
-          <a:ext cx="0" cy="0"/>
-          <a:chOff x="0" y="0"/>
-          <a:chExt cx="0" cy="0"/>
-        </a:xfrm>
-      </p:grpSpPr>
-      <p:sp>
-        <p:nvSpPr>
-          <p:cNvPr id="2" name="Title 1"/>
-          <p:cNvSpPr>
-            <a:spLocks noGrp="1"/>
-          </p:cNvSpPr>
-          <p:nvPr>
-            <p:ph type="title"/>
-          </p:nvPr>
-        </p:nvSpPr>
-        <p:spPr/>
-        <p:txBody>
-          <a:bodyPr/>
-          <a:lstStyle/>
-          <a:p>
-            <a:r>
-              <a:rPr lang="en-US" dirty="0" smtClean="0"/>
-              <a:t>Why Julia?</a:t>
-            </a:r>
-            <a:endParaRPr lang="en-US" dirty="0"/>
-          </a:p>
-        </p:txBody>
-      </p:sp>
-      <p:sp>
-        <p:nvSpPr>
-          <p:cNvPr id="3" name="Content Placeholder 2"/>
-          <p:cNvSpPr>
-            <a:spLocks noGrp="1"/>
-          </p:cNvSpPr>
-          <p:nvPr>
-            <p:ph idx="1"/>
-          </p:nvPr>
-        </p:nvSpPr>
-        <p:spPr/>
-        <p:txBody>
-          <a:bodyPr>
-            <a:normAutofit fontScale="85000" lnSpcReduction="20000"/>
-          </a:bodyPr>
-          <a:lstStyle/>
-          <a:p>
-            <a:r>
-              <a:rPr lang="en-US" dirty="0" smtClean="0"/>
-              <a:t>“Walk like Python, Run like C”</a:t>
-            </a:r>
-          </a:p>
-          <a:p>
-            <a:endParaRPr lang="en-US" dirty="0"/>
-          </a:p>
-          <a:p>
-            <a:r>
-              <a:rPr lang="en-US" dirty="0" smtClean="0"/>
-              <a:t>Performance gains and relatively easy transition from Python/R</a:t>
-            </a:r>
-          </a:p>
-          <a:p>
-            <a:endParaRPr lang="en-US" dirty="0"/>
-          </a:p>
-          <a:p>
-            <a:r>
-              <a:rPr lang="en-US" dirty="0" smtClean="0"/>
-              <a:t>Access to and integration with Python/C/R libraries</a:t>
-            </a:r>
-          </a:p>
-          <a:p>
-            <a:endParaRPr lang="en-US" dirty="0"/>
-          </a:p>
-          <a:p>
-            <a:r>
-              <a:rPr lang="en-US" dirty="0" smtClean="0"/>
-              <a:t>Can use loops rather than cryptic </a:t>
-            </a:r>
-            <a:r>
-              <a:rPr lang="en-US" dirty="0" err="1" smtClean="0"/>
-              <a:t>numpy</a:t>
-            </a:r>
-            <a:endParaRPr lang="en-US" dirty="0" smtClean="0"/>
-          </a:p>
-          <a:p>
-            <a:endParaRPr lang="en-US" dirty="0"/>
-          </a:p>
-          <a:p>
-            <a:r>
-              <a:rPr lang="en-US" dirty="0" smtClean="0"/>
-              <a:t>Optimized for machine learning</a:t>
-            </a:r>
-          </a:p>
-          <a:p>
-            <a:endParaRPr lang="en-US" dirty="0"/>
-          </a:p>
-          <a:p>
-            <a:r>
-              <a:rPr lang="en-US" dirty="0" smtClean="0"/>
-              <a:t>Julia 1.0 in a few months?</a:t>
-            </a:r>
-            <a:endParaRPr lang="en-US" dirty="0"/>
-          </a:p>
-        </p:txBody>
-      </p:sp>
-      <p:pic>
-        <p:nvPicPr>
-          <p:cNvPr id="1026" name="Picture 2" descr="Image result for julia lang"/>
-          <p:cNvPicPr>
-            <a:picLocks noChangeAspect="1" noChangeArrowheads="1"/>
-          </p:cNvPicPr>
-          <p:nvPr/>
-        </p:nvPicPr>
-        <p:blipFill>
-          <a:blip r:embed="rId2" cstate="print">
-            <a:extLst>
-              <a:ext uri="{28A0092B-C50C-407E-A947-70E740481C1C}">
-                <a14:useLocalDpi xmlns:a14="http://schemas.microsoft.com/office/drawing/2010/main" val="0"/>
-              </a:ext>
-            </a:extLst>
-          </a:blip>
-          <a:srcRect/>
-          <a:stretch>
-            <a:fillRect/>
-          </a:stretch>
-        </p:blipFill>
-        <p:spPr bwMode="auto">
-          <a:xfrm>
-            <a:off x="7829005" y="268254"/>
-            <a:ext cx="3335383" cy="2254163"/>
-          </a:xfrm>
-          <a:prstGeom prst="rect">
-            <a:avLst/>
-          </a:prstGeom>
-          <a:noFill/>
-          <a:extLst>
-            <a:ext uri="{909E8E84-426E-40DD-AFC4-6F175D3DCCD1}">
-              <a14:hiddenFill xmlns:a14="http://schemas.microsoft.com/office/drawing/2010/main">
-                <a:solidFill>
-                  <a:srgbClr val="FFFFFF"/>
-                </a:solidFill>
-              </a14:hiddenFill>
-            </a:ext>
-          </a:extLst>
-        </p:spPr>
-      </p:pic>
-      <p:sp>
-        <p:nvSpPr>
-          <p:cNvPr id="4" name="Footer Placeholder 3"/>
-          <p:cNvSpPr>
-            <a:spLocks noGrp="1"/>
-          </p:cNvSpPr>
-          <p:nvPr>
-            <p:ph type="ftr" sz="quarter" idx="11"/>
-          </p:nvPr>
-        </p:nvSpPr>
-        <p:spPr/>
-        <p:txBody>
-          <a:bodyPr/>
-          <a:lstStyle/>
-          <a:p>
-            <a:r>
-              <a:rPr lang="en-US" smtClean="0"/>
-              <a:t>github.com/chasedehan/odsc_east_2018</a:t>
-            </a:r>
-            <a:endParaRPr lang="en-US"/>
-          </a:p>
-        </p:txBody>
-      </p:sp>
-    </p:spTree>
-    <p:extLst>
-      <p:ext uri="{BB962C8B-B14F-4D97-AF65-F5344CB8AC3E}">
-        <p14:creationId xmlns:p14="http://schemas.microsoft.com/office/powerpoint/2010/main" val="1844225606"/>
-      </p:ext>
-    </p:extLst>
-  </p:cSld>
-  <p:clrMapOvr>
-    <a:masterClrMapping/>
-  </p:clrMapOvr>
-</p:sld>
-</file>
-
-<file path=ppt/slides/slide4.xml><?xml version="1.0" encoding="utf-8"?>
-<p:sld xmlns:a="http://schemas.openxmlformats.org/drawingml/2006/main" xmlns:r="http://schemas.openxmlformats.org/officeDocument/2006/relationships" xmlns:p="http://schemas.openxmlformats.org/presentationml/2006/main">
-  <p:cSld>
-    <p:spTree>
-      <p:nvGrpSpPr>
-        <p:cNvPr id="1" name=""/>
-        <p:cNvGrpSpPr/>
-        <p:nvPr/>
-      </p:nvGrpSpPr>
-      <p:grpSpPr>
-        <a:xfrm>
-          <a:off x="0" y="0"/>
-          <a:ext cx="0" cy="0"/>
-          <a:chOff x="0" y="0"/>
-          <a:chExt cx="0" cy="0"/>
-        </a:xfrm>
-      </p:grpSpPr>
-      <p:sp>
-        <p:nvSpPr>
-          <p:cNvPr id="2" name="Title 1"/>
-          <p:cNvSpPr>
-            <a:spLocks noGrp="1"/>
-          </p:cNvSpPr>
-          <p:nvPr>
-            <p:ph type="title"/>
-          </p:nvPr>
-        </p:nvSpPr>
-        <p:spPr/>
-        <p:txBody>
-          <a:bodyPr/>
-          <a:lstStyle/>
-          <a:p>
-            <a:r>
-              <a:rPr lang="en-US" dirty="0" smtClean="0"/>
-              <a:t>Why a RESTful API for </a:t>
-            </a:r>
-            <a:r>
-              <a:rPr lang="en-US" smtClean="0"/>
-              <a:t>model deployment?</a:t>
-            </a:r>
-            <a:endParaRPr lang="en-US"/>
-          </a:p>
-        </p:txBody>
-      </p:sp>
-      <p:sp>
-        <p:nvSpPr>
-          <p:cNvPr id="3" name="Content Placeholder 2"/>
-          <p:cNvSpPr>
-            <a:spLocks noGrp="1"/>
-          </p:cNvSpPr>
-          <p:nvPr>
-            <p:ph idx="1"/>
-          </p:nvPr>
-        </p:nvSpPr>
-        <p:spPr/>
-        <p:txBody>
-          <a:bodyPr/>
-          <a:lstStyle/>
-          <a:p>
-            <a:r>
-              <a:rPr lang="en-US" dirty="0" smtClean="0"/>
-              <a:t>Stateless</a:t>
-            </a:r>
-          </a:p>
-          <a:p>
-            <a:endParaRPr lang="en-US" dirty="0" smtClean="0"/>
-          </a:p>
-          <a:p>
-            <a:r>
-              <a:rPr lang="en-US" dirty="0" smtClean="0"/>
-              <a:t>Uniform interface (POST, GET)</a:t>
-            </a:r>
-          </a:p>
-          <a:p>
-            <a:pPr lvl="1"/>
-            <a:r>
-              <a:rPr lang="en-US" dirty="0" smtClean="0"/>
-              <a:t>POST supplies additional data (i.e. JSON, XML)</a:t>
-            </a:r>
-          </a:p>
-          <a:p>
-            <a:pPr lvl="1"/>
-            <a:r>
-              <a:rPr lang="en-US" dirty="0" smtClean="0"/>
-              <a:t>GET has everything in the URL</a:t>
-            </a:r>
-          </a:p>
-          <a:p>
-            <a:endParaRPr lang="en-US" dirty="0" smtClean="0"/>
-          </a:p>
-          <a:p>
-            <a:r>
-              <a:rPr lang="en-US" dirty="0" smtClean="0"/>
-              <a:t>De-coupled</a:t>
-            </a:r>
-          </a:p>
-          <a:p>
-            <a:endParaRPr lang="en-US" dirty="0" smtClean="0"/>
-          </a:p>
-          <a:p>
-            <a:r>
-              <a:rPr lang="en-US" dirty="0" smtClean="0"/>
-              <a:t>Can be a different language</a:t>
-            </a:r>
-          </a:p>
-          <a:p>
-            <a:pPr marL="0" indent="0">
-              <a:buNone/>
-            </a:pPr>
-            <a:endParaRPr lang="en-US" dirty="0"/>
-          </a:p>
-        </p:txBody>
-      </p:sp>
-      <p:sp>
-        <p:nvSpPr>
-          <p:cNvPr id="4" name="Footer Placeholder 3"/>
-          <p:cNvSpPr>
-            <a:spLocks noGrp="1"/>
-          </p:cNvSpPr>
-          <p:nvPr>
-            <p:ph type="ftr" sz="quarter" idx="11"/>
-          </p:nvPr>
-        </p:nvSpPr>
-        <p:spPr/>
-        <p:txBody>
-          <a:bodyPr/>
-          <a:lstStyle/>
-          <a:p>
-            <a:r>
-              <a:rPr lang="en-US" smtClean="0"/>
-              <a:t>github.com/chasedehan/odsc_east_2018</a:t>
-            </a:r>
-            <a:endParaRPr lang="en-US"/>
-          </a:p>
-        </p:txBody>
-      </p:sp>
-    </p:spTree>
-    <p:extLst>
-      <p:ext uri="{BB962C8B-B14F-4D97-AF65-F5344CB8AC3E}">
-        <p14:creationId xmlns:p14="http://schemas.microsoft.com/office/powerpoint/2010/main" val="3970243339"/>
-      </p:ext>
-    </p:extLst>
-  </p:cSld>
-  <p:clrMapOvr>
-    <a:masterClrMapping/>
-  </p:clrMapOvr>
-</p:sld>
-</file>
-
-<file path=ppt/slides/slide5.xml><?xml version="1.0" encoding="utf-8"?>
-<p:sld xmlns:a="http://schemas.openxmlformats.org/drawingml/2006/main" xmlns:r="http://schemas.openxmlformats.org/officeDocument/2006/relationships" xmlns:p="http://schemas.openxmlformats.org/presentationml/2006/main">
-  <p:cSld>
-    <p:spTree>
-      <p:nvGrpSpPr>
-        <p:cNvPr id="1" name=""/>
-        <p:cNvGrpSpPr/>
-        <p:nvPr/>
-      </p:nvGrpSpPr>
-      <p:grpSpPr>
-        <a:xfrm>
-          <a:off x="0" y="0"/>
-          <a:ext cx="0" cy="0"/>
-          <a:chOff x="0" y="0"/>
-          <a:chExt cx="0" cy="0"/>
-        </a:xfrm>
-      </p:grpSpPr>
-      <p:sp>
-        <p:nvSpPr>
-          <p:cNvPr id="2" name="Title 1"/>
-          <p:cNvSpPr>
-            <a:spLocks noGrp="1"/>
-          </p:cNvSpPr>
-          <p:nvPr>
-            <p:ph type="title"/>
-          </p:nvPr>
-        </p:nvSpPr>
-        <p:spPr/>
-        <p:txBody>
-          <a:bodyPr/>
-          <a:lstStyle/>
-          <a:p>
-            <a:r>
-              <a:rPr lang="en-US" dirty="0" smtClean="0"/>
-              <a:t>Model Build in Python</a:t>
-            </a:r>
-            <a:endParaRPr lang="en-US" dirty="0"/>
-          </a:p>
-        </p:txBody>
-      </p:sp>
-      <p:sp>
-        <p:nvSpPr>
-          <p:cNvPr id="3" name="Content Placeholder 2"/>
-          <p:cNvSpPr>
-            <a:spLocks noGrp="1"/>
-          </p:cNvSpPr>
-          <p:nvPr>
-            <p:ph idx="1"/>
-          </p:nvPr>
-        </p:nvSpPr>
-        <p:spPr/>
-        <p:txBody>
-          <a:bodyPr/>
-          <a:lstStyle/>
-          <a:p>
-            <a:r>
-              <a:rPr lang="en-US" dirty="0" smtClean="0"/>
-              <a:t>Just for comparisons sake and to demonstrate how you might do this in Python/Flask</a:t>
-            </a:r>
-          </a:p>
-          <a:p>
-            <a:endParaRPr lang="en-US" dirty="0"/>
-          </a:p>
-          <a:p>
-            <a:pPr marL="0" indent="0">
-              <a:buNone/>
-            </a:pPr>
-            <a:r>
-              <a:rPr lang="en-US" dirty="0" smtClean="0"/>
-              <a:t>python_model_build.py</a:t>
-            </a:r>
-            <a:endParaRPr lang="en-US" dirty="0"/>
-          </a:p>
-        </p:txBody>
-      </p:sp>
-      <p:sp>
-        <p:nvSpPr>
-          <p:cNvPr id="4" name="Footer Placeholder 3"/>
-          <p:cNvSpPr>
-            <a:spLocks noGrp="1"/>
-          </p:cNvSpPr>
-          <p:nvPr>
-            <p:ph type="ftr" sz="quarter" idx="11"/>
-          </p:nvPr>
-        </p:nvSpPr>
-        <p:spPr/>
-        <p:txBody>
-          <a:bodyPr/>
-          <a:lstStyle/>
-          <a:p>
-            <a:r>
-              <a:rPr lang="en-US" smtClean="0"/>
-              <a:t>github.com/chasedehan/odsc_east_2018</a:t>
-            </a:r>
-            <a:endParaRPr lang="en-US"/>
-          </a:p>
-        </p:txBody>
-      </p:sp>
-    </p:spTree>
-    <p:extLst>
-      <p:ext uri="{BB962C8B-B14F-4D97-AF65-F5344CB8AC3E}">
-        <p14:creationId xmlns:p14="http://schemas.microsoft.com/office/powerpoint/2010/main" val="2222378217"/>
-      </p:ext>
-    </p:extLst>
-  </p:cSld>
-  <p:clrMapOvr>
-    <a:masterClrMapping/>
-  </p:clrMapOvr>
-</p:sld>
-</file>
-
-<file path=ppt/slides/slide6.xml><?xml version="1.0" encoding="utf-8"?>
-<p:sld xmlns:a="http://schemas.openxmlformats.org/drawingml/2006/main" xmlns:r="http://schemas.openxmlformats.org/officeDocument/2006/relationships" xmlns:p="http://schemas.openxmlformats.org/presentationml/2006/main">
-  <p:cSld>
-    <p:spTree>
-      <p:nvGrpSpPr>
-        <p:cNvPr id="1" name=""/>
-        <p:cNvGrpSpPr/>
-        <p:nvPr/>
-      </p:nvGrpSpPr>
-      <p:grpSpPr>
-        <a:xfrm>
-          <a:off x="0" y="0"/>
-          <a:ext cx="0" cy="0"/>
-          <a:chOff x="0" y="0"/>
-          <a:chExt cx="0" cy="0"/>
-        </a:xfrm>
-      </p:grpSpPr>
-      <p:sp>
-        <p:nvSpPr>
-          <p:cNvPr id="2" name="Title 1"/>
-          <p:cNvSpPr>
-            <a:spLocks noGrp="1"/>
-          </p:cNvSpPr>
-          <p:nvPr>
-            <p:ph type="title"/>
-          </p:nvPr>
-        </p:nvSpPr>
-        <p:spPr/>
-        <p:txBody>
-          <a:bodyPr/>
-          <a:lstStyle/>
-          <a:p>
-            <a:r>
-              <a:rPr lang="en-US" dirty="0" smtClean="0"/>
-              <a:t>Basic Julia Example</a:t>
-            </a:r>
-            <a:endParaRPr lang="en-US" dirty="0"/>
-          </a:p>
-        </p:txBody>
-      </p:sp>
-      <p:sp>
-        <p:nvSpPr>
-          <p:cNvPr id="3" name="Content Placeholder 2"/>
-          <p:cNvSpPr>
-            <a:spLocks noGrp="1"/>
-          </p:cNvSpPr>
-          <p:nvPr>
-            <p:ph idx="1"/>
-          </p:nvPr>
-        </p:nvSpPr>
-        <p:spPr/>
-        <p:txBody>
-          <a:bodyPr/>
-          <a:lstStyle/>
-          <a:p>
-            <a:pPr marL="0" indent="0">
-              <a:buNone/>
-            </a:pPr>
-            <a:r>
-              <a:rPr lang="en-US" dirty="0" err="1" smtClean="0"/>
-              <a:t>julia_example.jl</a:t>
-            </a:r>
-            <a:endParaRPr lang="en-US" dirty="0" smtClean="0"/>
-          </a:p>
-          <a:p>
-            <a:pPr marL="0" indent="0">
-              <a:buNone/>
-            </a:pPr>
-            <a:endParaRPr lang="en-US" dirty="0"/>
-          </a:p>
-          <a:p>
-            <a:pPr marL="0" indent="0">
-              <a:buNone/>
-            </a:pPr>
-            <a:endParaRPr lang="en-US" dirty="0"/>
-          </a:p>
-        </p:txBody>
-      </p:sp>
-      <p:sp>
-        <p:nvSpPr>
-          <p:cNvPr id="4" name="Footer Placeholder 3"/>
-          <p:cNvSpPr>
-            <a:spLocks noGrp="1"/>
-          </p:cNvSpPr>
-          <p:nvPr>
-            <p:ph type="ftr" sz="quarter" idx="11"/>
-          </p:nvPr>
-        </p:nvSpPr>
-        <p:spPr/>
-        <p:txBody>
-          <a:bodyPr/>
-          <a:lstStyle/>
-          <a:p>
-            <a:r>
-              <a:rPr lang="en-US" smtClean="0"/>
-              <a:t>github.com/chasedehan/odsc_east_2018</a:t>
-            </a:r>
-            <a:endParaRPr lang="en-US"/>
-          </a:p>
-        </p:txBody>
-      </p:sp>
-    </p:spTree>
-    <p:extLst>
-      <p:ext uri="{BB962C8B-B14F-4D97-AF65-F5344CB8AC3E}">
-        <p14:creationId xmlns:p14="http://schemas.microsoft.com/office/powerpoint/2010/main" val="3346711784"/>
-      </p:ext>
-    </p:extLst>
-  </p:cSld>
-  <p:clrMapOvr>
-    <a:masterClrMapping/>
-  </p:clrMapOvr>
-</p:sld>
-</file>
-
-<file path=ppt/slides/slide7.xml><?xml version="1.0" encoding="utf-8"?>
-<p:sld xmlns:a="http://schemas.openxmlformats.org/drawingml/2006/main" xmlns:r="http://schemas.openxmlformats.org/officeDocument/2006/relationships" xmlns:p="http://schemas.openxmlformats.org/presentationml/2006/main">
-  <p:cSld>
-    <p:spTree>
-      <p:nvGrpSpPr>
-        <p:cNvPr id="1" name=""/>
-        <p:cNvGrpSpPr/>
-        <p:nvPr/>
-      </p:nvGrpSpPr>
-      <p:grpSpPr>
-        <a:xfrm>
-          <a:off x="0" y="0"/>
-          <a:ext cx="0" cy="0"/>
-          <a:chOff x="0" y="0"/>
-          <a:chExt cx="0" cy="0"/>
-        </a:xfrm>
-      </p:grpSpPr>
-      <p:sp>
-        <p:nvSpPr>
-          <p:cNvPr id="2" name="Title 1"/>
-          <p:cNvSpPr>
-            <a:spLocks noGrp="1"/>
-          </p:cNvSpPr>
-          <p:nvPr>
-            <p:ph type="title"/>
-          </p:nvPr>
-        </p:nvSpPr>
-        <p:spPr/>
-        <p:txBody>
-          <a:bodyPr/>
-          <a:lstStyle/>
-          <a:p>
-            <a:r>
-              <a:rPr lang="en-US" dirty="0" smtClean="0"/>
-              <a:t>Now, implement a Julia API</a:t>
-            </a:r>
-            <a:endParaRPr lang="en-US" dirty="0"/>
-          </a:p>
-        </p:txBody>
-      </p:sp>
-      <p:sp>
-        <p:nvSpPr>
-          <p:cNvPr id="3" name="Content Placeholder 2"/>
-          <p:cNvSpPr>
-            <a:spLocks noGrp="1"/>
-          </p:cNvSpPr>
-          <p:nvPr>
-            <p:ph idx="1"/>
-          </p:nvPr>
-        </p:nvSpPr>
-        <p:spPr/>
-        <p:txBody>
-          <a:bodyPr/>
-          <a:lstStyle/>
-          <a:p>
-            <a:pPr marL="0" indent="0">
-              <a:buNone/>
-            </a:pPr>
-            <a:r>
-              <a:rPr lang="en-US" dirty="0" err="1" smtClean="0"/>
-              <a:t>julia_web_server.jl</a:t>
-            </a:r>
-            <a:endParaRPr lang="en-US" dirty="0"/>
-          </a:p>
-        </p:txBody>
-      </p:sp>
-      <p:sp>
-        <p:nvSpPr>
-          <p:cNvPr id="4" name="Footer Placeholder 3"/>
-          <p:cNvSpPr>
-            <a:spLocks noGrp="1"/>
-          </p:cNvSpPr>
-          <p:nvPr>
-            <p:ph type="ftr" sz="quarter" idx="11"/>
-          </p:nvPr>
-        </p:nvSpPr>
-        <p:spPr/>
-        <p:txBody>
-          <a:bodyPr/>
-          <a:lstStyle/>
-          <a:p>
-            <a:r>
-              <a:rPr lang="en-US" smtClean="0"/>
-              <a:t>github.com/chasedehan/odsc_east_2018</a:t>
-            </a:r>
-            <a:endParaRPr lang="en-US"/>
-          </a:p>
-        </p:txBody>
-      </p:sp>
-    </p:spTree>
-    <p:extLst>
-      <p:ext uri="{BB962C8B-B14F-4D97-AF65-F5344CB8AC3E}">
-        <p14:creationId xmlns:p14="http://schemas.microsoft.com/office/powerpoint/2010/main" val="2527576248"/>
-      </p:ext>
-    </p:extLst>
-  </p:cSld>
-  <p:clrMapOvr>
-    <a:masterClrMapping/>
-  </p:clrMapOvr>
-</p:sld>
-</file>
-
-<file path=ppt/slides/slide8.xml><?xml version="1.0" encoding="utf-8"?>
+<file path=ppt/slides/slide10.xml><?xml version="1.0" encoding="utf-8"?>
 <p:sld xmlns:a="http://schemas.openxmlformats.org/drawingml/2006/main" xmlns:r="http://schemas.openxmlformats.org/officeDocument/2006/relationships" xmlns:p="http://schemas.openxmlformats.org/presentationml/2006/main">
   <p:cSld>
     <p:spTree>
@@ -4808,6 +4025,1078 @@
       </p:par>
     </p:tnLst>
   </p:timing>
+</p:sld>
+</file>
+
+<file path=ppt/slides/slide2.xml><?xml version="1.0" encoding="utf-8"?>
+<p:sld xmlns:a="http://schemas.openxmlformats.org/drawingml/2006/main" xmlns:r="http://schemas.openxmlformats.org/officeDocument/2006/relationships" xmlns:p="http://schemas.openxmlformats.org/presentationml/2006/main">
+  <p:cSld>
+    <p:spTree>
+      <p:nvGrpSpPr>
+        <p:cNvPr id="1" name=""/>
+        <p:cNvGrpSpPr/>
+        <p:nvPr/>
+      </p:nvGrpSpPr>
+      <p:grpSpPr>
+        <a:xfrm>
+          <a:off x="0" y="0"/>
+          <a:ext cx="0" cy="0"/>
+          <a:chOff x="0" y="0"/>
+          <a:chExt cx="0" cy="0"/>
+        </a:xfrm>
+      </p:grpSpPr>
+      <p:sp>
+        <p:nvSpPr>
+          <p:cNvPr id="2" name="Title 1"/>
+          <p:cNvSpPr>
+            <a:spLocks noGrp="1"/>
+          </p:cNvSpPr>
+          <p:nvPr>
+            <p:ph type="title"/>
+          </p:nvPr>
+        </p:nvSpPr>
+        <p:spPr/>
+        <p:txBody>
+          <a:bodyPr/>
+          <a:lstStyle/>
+          <a:p>
+            <a:r>
+              <a:rPr lang="en-US" dirty="0" smtClean="0"/>
+              <a:t>Why this Talk?</a:t>
+            </a:r>
+            <a:endParaRPr lang="en-US" dirty="0"/>
+          </a:p>
+        </p:txBody>
+      </p:sp>
+      <p:sp>
+        <p:nvSpPr>
+          <p:cNvPr id="3" name="Content Placeholder 2"/>
+          <p:cNvSpPr>
+            <a:spLocks noGrp="1"/>
+          </p:cNvSpPr>
+          <p:nvPr>
+            <p:ph idx="1"/>
+          </p:nvPr>
+        </p:nvSpPr>
+        <p:spPr/>
+        <p:txBody>
+          <a:bodyPr/>
+          <a:lstStyle/>
+          <a:p>
+            <a:r>
+              <a:rPr lang="en-US" dirty="0" smtClean="0"/>
+              <a:t>Vendors selling deployment solutions</a:t>
+            </a:r>
+          </a:p>
+          <a:p>
+            <a:endParaRPr lang="en-US" dirty="0"/>
+          </a:p>
+          <a:p>
+            <a:r>
+              <a:rPr lang="en-US" dirty="0" smtClean="0"/>
+              <a:t>From a code perspective, not that difficult to do</a:t>
+            </a:r>
+          </a:p>
+          <a:p>
+            <a:endParaRPr lang="en-US" dirty="0"/>
+          </a:p>
+          <a:p>
+            <a:r>
+              <a:rPr lang="en-US" dirty="0" smtClean="0"/>
+              <a:t>Julia is a cool language</a:t>
+            </a:r>
+            <a:endParaRPr lang="en-US" dirty="0"/>
+          </a:p>
+        </p:txBody>
+      </p:sp>
+      <p:sp>
+        <p:nvSpPr>
+          <p:cNvPr id="4" name="Footer Placeholder 3"/>
+          <p:cNvSpPr>
+            <a:spLocks noGrp="1"/>
+          </p:cNvSpPr>
+          <p:nvPr>
+            <p:ph type="ftr" sz="quarter" idx="11"/>
+          </p:nvPr>
+        </p:nvSpPr>
+        <p:spPr/>
+        <p:txBody>
+          <a:bodyPr/>
+          <a:lstStyle/>
+          <a:p>
+            <a:r>
+              <a:rPr lang="en-US" smtClean="0"/>
+              <a:t>github.com/chasedehan/odsc_east_2018</a:t>
+            </a:r>
+            <a:endParaRPr lang="en-US"/>
+          </a:p>
+        </p:txBody>
+      </p:sp>
+    </p:spTree>
+    <p:extLst>
+      <p:ext uri="{BB962C8B-B14F-4D97-AF65-F5344CB8AC3E}">
+        <p14:creationId xmlns:p14="http://schemas.microsoft.com/office/powerpoint/2010/main" val="1486981489"/>
+      </p:ext>
+    </p:extLst>
+  </p:cSld>
+  <p:clrMapOvr>
+    <a:masterClrMapping/>
+  </p:clrMapOvr>
+</p:sld>
+</file>
+
+<file path=ppt/slides/slide3.xml><?xml version="1.0" encoding="utf-8"?>
+<p:sld xmlns:a="http://schemas.openxmlformats.org/drawingml/2006/main" xmlns:r="http://schemas.openxmlformats.org/officeDocument/2006/relationships" xmlns:p="http://schemas.openxmlformats.org/presentationml/2006/main">
+  <p:cSld>
+    <p:spTree>
+      <p:nvGrpSpPr>
+        <p:cNvPr id="1" name=""/>
+        <p:cNvGrpSpPr/>
+        <p:nvPr/>
+      </p:nvGrpSpPr>
+      <p:grpSpPr>
+        <a:xfrm>
+          <a:off x="0" y="0"/>
+          <a:ext cx="0" cy="0"/>
+          <a:chOff x="0" y="0"/>
+          <a:chExt cx="0" cy="0"/>
+        </a:xfrm>
+      </p:grpSpPr>
+      <p:sp>
+        <p:nvSpPr>
+          <p:cNvPr id="2" name="Title 1"/>
+          <p:cNvSpPr>
+            <a:spLocks noGrp="1"/>
+          </p:cNvSpPr>
+          <p:nvPr>
+            <p:ph type="title"/>
+          </p:nvPr>
+        </p:nvSpPr>
+        <p:spPr/>
+        <p:txBody>
+          <a:bodyPr/>
+          <a:lstStyle/>
+          <a:p>
+            <a:r>
+              <a:rPr lang="en-US" dirty="0" smtClean="0"/>
+              <a:t>Why Julia?</a:t>
+            </a:r>
+            <a:endParaRPr lang="en-US" dirty="0"/>
+          </a:p>
+        </p:txBody>
+      </p:sp>
+      <p:sp>
+        <p:nvSpPr>
+          <p:cNvPr id="3" name="Content Placeholder 2"/>
+          <p:cNvSpPr>
+            <a:spLocks noGrp="1"/>
+          </p:cNvSpPr>
+          <p:nvPr>
+            <p:ph idx="1"/>
+          </p:nvPr>
+        </p:nvSpPr>
+        <p:spPr/>
+        <p:txBody>
+          <a:bodyPr>
+            <a:normAutofit fontScale="85000" lnSpcReduction="20000"/>
+          </a:bodyPr>
+          <a:lstStyle/>
+          <a:p>
+            <a:r>
+              <a:rPr lang="en-US" dirty="0" smtClean="0"/>
+              <a:t>“Walk like Python, Run like C”</a:t>
+            </a:r>
+          </a:p>
+          <a:p>
+            <a:endParaRPr lang="en-US" dirty="0"/>
+          </a:p>
+          <a:p>
+            <a:r>
+              <a:rPr lang="en-US" dirty="0" smtClean="0"/>
+              <a:t>Performance gains and relatively easy transition from Python/R</a:t>
+            </a:r>
+          </a:p>
+          <a:p>
+            <a:endParaRPr lang="en-US" dirty="0"/>
+          </a:p>
+          <a:p>
+            <a:r>
+              <a:rPr lang="en-US" dirty="0" smtClean="0"/>
+              <a:t>Access to and integration with Python/C/R libraries</a:t>
+            </a:r>
+          </a:p>
+          <a:p>
+            <a:endParaRPr lang="en-US" dirty="0"/>
+          </a:p>
+          <a:p>
+            <a:r>
+              <a:rPr lang="en-US" dirty="0" smtClean="0"/>
+              <a:t>Can use loops rather than cryptic </a:t>
+            </a:r>
+            <a:r>
+              <a:rPr lang="en-US" dirty="0" err="1" smtClean="0"/>
+              <a:t>numpy</a:t>
+            </a:r>
+            <a:endParaRPr lang="en-US" dirty="0" smtClean="0"/>
+          </a:p>
+          <a:p>
+            <a:endParaRPr lang="en-US" dirty="0"/>
+          </a:p>
+          <a:p>
+            <a:r>
+              <a:rPr lang="en-US" dirty="0" smtClean="0"/>
+              <a:t>Optimized for machine learning</a:t>
+            </a:r>
+          </a:p>
+          <a:p>
+            <a:endParaRPr lang="en-US" dirty="0"/>
+          </a:p>
+          <a:p>
+            <a:r>
+              <a:rPr lang="en-US" dirty="0" smtClean="0"/>
+              <a:t>Julia 1.0 in a few months?</a:t>
+            </a:r>
+            <a:endParaRPr lang="en-US" dirty="0"/>
+          </a:p>
+        </p:txBody>
+      </p:sp>
+      <p:pic>
+        <p:nvPicPr>
+          <p:cNvPr id="1026" name="Picture 2" descr="Image result for julia lang"/>
+          <p:cNvPicPr>
+            <a:picLocks noChangeAspect="1" noChangeArrowheads="1"/>
+          </p:cNvPicPr>
+          <p:nvPr/>
+        </p:nvPicPr>
+        <p:blipFill>
+          <a:blip r:embed="rId2" cstate="print">
+            <a:extLst>
+              <a:ext uri="{28A0092B-C50C-407E-A947-70E740481C1C}">
+                <a14:useLocalDpi xmlns:a14="http://schemas.microsoft.com/office/drawing/2010/main" val="0"/>
+              </a:ext>
+            </a:extLst>
+          </a:blip>
+          <a:srcRect/>
+          <a:stretch>
+            <a:fillRect/>
+          </a:stretch>
+        </p:blipFill>
+        <p:spPr bwMode="auto">
+          <a:xfrm>
+            <a:off x="7829005" y="268254"/>
+            <a:ext cx="3335383" cy="2254163"/>
+          </a:xfrm>
+          <a:prstGeom prst="rect">
+            <a:avLst/>
+          </a:prstGeom>
+          <a:noFill/>
+          <a:extLst>
+            <a:ext uri="{909E8E84-426E-40DD-AFC4-6F175D3DCCD1}">
+              <a14:hiddenFill xmlns:a14="http://schemas.microsoft.com/office/drawing/2010/main">
+                <a:solidFill>
+                  <a:srgbClr val="FFFFFF"/>
+                </a:solidFill>
+              </a14:hiddenFill>
+            </a:ext>
+          </a:extLst>
+        </p:spPr>
+      </p:pic>
+      <p:sp>
+        <p:nvSpPr>
+          <p:cNvPr id="4" name="Footer Placeholder 3"/>
+          <p:cNvSpPr>
+            <a:spLocks noGrp="1"/>
+          </p:cNvSpPr>
+          <p:nvPr>
+            <p:ph type="ftr" sz="quarter" idx="11"/>
+          </p:nvPr>
+        </p:nvSpPr>
+        <p:spPr/>
+        <p:txBody>
+          <a:bodyPr/>
+          <a:lstStyle/>
+          <a:p>
+            <a:r>
+              <a:rPr lang="en-US" smtClean="0"/>
+              <a:t>github.com/chasedehan/odsc_east_2018</a:t>
+            </a:r>
+            <a:endParaRPr lang="en-US"/>
+          </a:p>
+        </p:txBody>
+      </p:sp>
+    </p:spTree>
+    <p:extLst>
+      <p:ext uri="{BB962C8B-B14F-4D97-AF65-F5344CB8AC3E}">
+        <p14:creationId xmlns:p14="http://schemas.microsoft.com/office/powerpoint/2010/main" val="1844225606"/>
+      </p:ext>
+    </p:extLst>
+  </p:cSld>
+  <p:clrMapOvr>
+    <a:masterClrMapping/>
+  </p:clrMapOvr>
+</p:sld>
+</file>
+
+<file path=ppt/slides/slide4.xml><?xml version="1.0" encoding="utf-8"?>
+<p:sld xmlns:a="http://schemas.openxmlformats.org/drawingml/2006/main" xmlns:r="http://schemas.openxmlformats.org/officeDocument/2006/relationships" xmlns:p="http://schemas.openxmlformats.org/presentationml/2006/main">
+  <p:cSld>
+    <p:spTree>
+      <p:nvGrpSpPr>
+        <p:cNvPr id="1" name=""/>
+        <p:cNvGrpSpPr/>
+        <p:nvPr/>
+      </p:nvGrpSpPr>
+      <p:grpSpPr>
+        <a:xfrm>
+          <a:off x="0" y="0"/>
+          <a:ext cx="0" cy="0"/>
+          <a:chOff x="0" y="0"/>
+          <a:chExt cx="0" cy="0"/>
+        </a:xfrm>
+      </p:grpSpPr>
+      <p:sp>
+        <p:nvSpPr>
+          <p:cNvPr id="2" name="Title 1"/>
+          <p:cNvSpPr>
+            <a:spLocks noGrp="1"/>
+          </p:cNvSpPr>
+          <p:nvPr>
+            <p:ph type="title"/>
+          </p:nvPr>
+        </p:nvSpPr>
+        <p:spPr/>
+        <p:txBody>
+          <a:bodyPr/>
+          <a:lstStyle/>
+          <a:p>
+            <a:r>
+              <a:rPr lang="en-US" dirty="0" smtClean="0"/>
+              <a:t>Why a RESTful API for </a:t>
+            </a:r>
+            <a:r>
+              <a:rPr lang="en-US" smtClean="0"/>
+              <a:t>model deployment?</a:t>
+            </a:r>
+            <a:endParaRPr lang="en-US"/>
+          </a:p>
+        </p:txBody>
+      </p:sp>
+      <p:sp>
+        <p:nvSpPr>
+          <p:cNvPr id="3" name="Content Placeholder 2"/>
+          <p:cNvSpPr>
+            <a:spLocks noGrp="1"/>
+          </p:cNvSpPr>
+          <p:nvPr>
+            <p:ph idx="1"/>
+          </p:nvPr>
+        </p:nvSpPr>
+        <p:spPr/>
+        <p:txBody>
+          <a:bodyPr/>
+          <a:lstStyle/>
+          <a:p>
+            <a:r>
+              <a:rPr lang="en-US" dirty="0" smtClean="0"/>
+              <a:t>Stateless</a:t>
+            </a:r>
+          </a:p>
+          <a:p>
+            <a:endParaRPr lang="en-US" dirty="0" smtClean="0"/>
+          </a:p>
+          <a:p>
+            <a:r>
+              <a:rPr lang="en-US" dirty="0" smtClean="0"/>
+              <a:t>Uniform interface (POST, GET)</a:t>
+            </a:r>
+          </a:p>
+          <a:p>
+            <a:pPr lvl="1"/>
+            <a:r>
+              <a:rPr lang="en-US" dirty="0" smtClean="0"/>
+              <a:t>POST supplies additional data (i.e. JSON, XML)</a:t>
+            </a:r>
+          </a:p>
+          <a:p>
+            <a:pPr lvl="1"/>
+            <a:r>
+              <a:rPr lang="en-US" dirty="0" smtClean="0"/>
+              <a:t>GET has everything in the URL</a:t>
+            </a:r>
+          </a:p>
+          <a:p>
+            <a:endParaRPr lang="en-US" dirty="0" smtClean="0"/>
+          </a:p>
+          <a:p>
+            <a:r>
+              <a:rPr lang="en-US" dirty="0" smtClean="0"/>
+              <a:t>De-coupled</a:t>
+            </a:r>
+          </a:p>
+          <a:p>
+            <a:endParaRPr lang="en-US" dirty="0" smtClean="0"/>
+          </a:p>
+          <a:p>
+            <a:r>
+              <a:rPr lang="en-US" dirty="0" smtClean="0"/>
+              <a:t>Can be a different language</a:t>
+            </a:r>
+          </a:p>
+          <a:p>
+            <a:pPr marL="0" indent="0">
+              <a:buNone/>
+            </a:pPr>
+            <a:endParaRPr lang="en-US" dirty="0"/>
+          </a:p>
+        </p:txBody>
+      </p:sp>
+      <p:sp>
+        <p:nvSpPr>
+          <p:cNvPr id="4" name="Footer Placeholder 3"/>
+          <p:cNvSpPr>
+            <a:spLocks noGrp="1"/>
+          </p:cNvSpPr>
+          <p:nvPr>
+            <p:ph type="ftr" sz="quarter" idx="11"/>
+          </p:nvPr>
+        </p:nvSpPr>
+        <p:spPr/>
+        <p:txBody>
+          <a:bodyPr/>
+          <a:lstStyle/>
+          <a:p>
+            <a:r>
+              <a:rPr lang="en-US" smtClean="0"/>
+              <a:t>github.com/chasedehan/odsc_east_2018</a:t>
+            </a:r>
+            <a:endParaRPr lang="en-US"/>
+          </a:p>
+        </p:txBody>
+      </p:sp>
+    </p:spTree>
+    <p:extLst>
+      <p:ext uri="{BB962C8B-B14F-4D97-AF65-F5344CB8AC3E}">
+        <p14:creationId xmlns:p14="http://schemas.microsoft.com/office/powerpoint/2010/main" val="3970243339"/>
+      </p:ext>
+    </p:extLst>
+  </p:cSld>
+  <p:clrMapOvr>
+    <a:masterClrMapping/>
+  </p:clrMapOvr>
+</p:sld>
+</file>
+
+<file path=ppt/slides/slide5.xml><?xml version="1.0" encoding="utf-8"?>
+<p:sld xmlns:a="http://schemas.openxmlformats.org/drawingml/2006/main" xmlns:r="http://schemas.openxmlformats.org/officeDocument/2006/relationships" xmlns:p="http://schemas.openxmlformats.org/presentationml/2006/main">
+  <p:cSld>
+    <p:spTree>
+      <p:nvGrpSpPr>
+        <p:cNvPr id="1" name=""/>
+        <p:cNvGrpSpPr/>
+        <p:nvPr/>
+      </p:nvGrpSpPr>
+      <p:grpSpPr>
+        <a:xfrm>
+          <a:off x="0" y="0"/>
+          <a:ext cx="0" cy="0"/>
+          <a:chOff x="0" y="0"/>
+          <a:chExt cx="0" cy="0"/>
+        </a:xfrm>
+      </p:grpSpPr>
+      <p:sp>
+        <p:nvSpPr>
+          <p:cNvPr id="4" name="Footer Placeholder 3"/>
+          <p:cNvSpPr>
+            <a:spLocks noGrp="1"/>
+          </p:cNvSpPr>
+          <p:nvPr>
+            <p:ph type="ftr" sz="quarter" idx="11"/>
+          </p:nvPr>
+        </p:nvSpPr>
+        <p:spPr/>
+        <p:txBody>
+          <a:bodyPr/>
+          <a:lstStyle/>
+          <a:p>
+            <a:r>
+              <a:rPr lang="en-US" smtClean="0"/>
+              <a:t>github.com/chasedehan/odsc_east_2018</a:t>
+            </a:r>
+            <a:endParaRPr lang="en-US"/>
+          </a:p>
+        </p:txBody>
+      </p:sp>
+      <p:pic>
+        <p:nvPicPr>
+          <p:cNvPr id="1026" name="Picture 2" descr="Image result for not unicorns and rainbows"/>
+          <p:cNvPicPr>
+            <a:picLocks noChangeAspect="1" noChangeArrowheads="1"/>
+          </p:cNvPicPr>
+          <p:nvPr/>
+        </p:nvPicPr>
+        <p:blipFill>
+          <a:blip r:embed="rId2">
+            <a:extLst>
+              <a:ext uri="{28A0092B-C50C-407E-A947-70E740481C1C}">
+                <a14:useLocalDpi xmlns:a14="http://schemas.microsoft.com/office/drawing/2010/main" val="0"/>
+              </a:ext>
+            </a:extLst>
+          </a:blip>
+          <a:srcRect/>
+          <a:stretch>
+            <a:fillRect/>
+          </a:stretch>
+        </p:blipFill>
+        <p:spPr bwMode="auto">
+          <a:xfrm>
+            <a:off x="738051" y="1405527"/>
+            <a:ext cx="6601097" cy="4950823"/>
+          </a:xfrm>
+          <a:prstGeom prst="rect">
+            <a:avLst/>
+          </a:prstGeom>
+          <a:noFill/>
+          <a:extLst>
+            <a:ext uri="{909E8E84-426E-40DD-AFC4-6F175D3DCCD1}">
+              <a14:hiddenFill xmlns:a14="http://schemas.microsoft.com/office/drawing/2010/main">
+                <a:solidFill>
+                  <a:srgbClr val="FFFFFF"/>
+                </a:solidFill>
+              </a14:hiddenFill>
+            </a:ext>
+          </a:extLst>
+        </p:spPr>
+      </p:pic>
+      <p:sp>
+        <p:nvSpPr>
+          <p:cNvPr id="2" name="Title 1"/>
+          <p:cNvSpPr>
+            <a:spLocks noGrp="1"/>
+          </p:cNvSpPr>
+          <p:nvPr>
+            <p:ph type="title"/>
+          </p:nvPr>
+        </p:nvSpPr>
+        <p:spPr/>
+        <p:txBody>
+          <a:bodyPr/>
+          <a:lstStyle/>
+          <a:p>
+            <a:r>
+              <a:rPr lang="en-US" dirty="0" smtClean="0"/>
+              <a:t>Unicorns and Rainbows?</a:t>
+            </a:r>
+            <a:endParaRPr lang="en-US" dirty="0"/>
+          </a:p>
+        </p:txBody>
+      </p:sp>
+    </p:spTree>
+    <p:extLst>
+      <p:ext uri="{BB962C8B-B14F-4D97-AF65-F5344CB8AC3E}">
+        <p14:creationId xmlns:p14="http://schemas.microsoft.com/office/powerpoint/2010/main" val="2921189023"/>
+      </p:ext>
+    </p:extLst>
+  </p:cSld>
+  <p:clrMapOvr>
+    <a:masterClrMapping/>
+  </p:clrMapOvr>
+</p:sld>
+</file>
+
+<file path=ppt/slides/slide6.xml><?xml version="1.0" encoding="utf-8"?>
+<p:sld xmlns:a="http://schemas.openxmlformats.org/drawingml/2006/main" xmlns:r="http://schemas.openxmlformats.org/officeDocument/2006/relationships" xmlns:p="http://schemas.openxmlformats.org/presentationml/2006/main">
+  <p:cSld>
+    <p:spTree>
+      <p:nvGrpSpPr>
+        <p:cNvPr id="1" name=""/>
+        <p:cNvGrpSpPr/>
+        <p:nvPr/>
+      </p:nvGrpSpPr>
+      <p:grpSpPr>
+        <a:xfrm>
+          <a:off x="0" y="0"/>
+          <a:ext cx="0" cy="0"/>
+          <a:chOff x="0" y="0"/>
+          <a:chExt cx="0" cy="0"/>
+        </a:xfrm>
+      </p:grpSpPr>
+      <p:sp>
+        <p:nvSpPr>
+          <p:cNvPr id="4" name="Footer Placeholder 3"/>
+          <p:cNvSpPr>
+            <a:spLocks noGrp="1"/>
+          </p:cNvSpPr>
+          <p:nvPr>
+            <p:ph type="ftr" sz="quarter" idx="11"/>
+          </p:nvPr>
+        </p:nvSpPr>
+        <p:spPr/>
+        <p:txBody>
+          <a:bodyPr/>
+          <a:lstStyle/>
+          <a:p>
+            <a:r>
+              <a:rPr lang="en-US" smtClean="0"/>
+              <a:t>github.com/chasedehan/odsc_east_2018</a:t>
+            </a:r>
+            <a:endParaRPr lang="en-US"/>
+          </a:p>
+        </p:txBody>
+      </p:sp>
+      <p:pic>
+        <p:nvPicPr>
+          <p:cNvPr id="1026" name="Picture 2" descr="Image result for not unicorns and rainbows"/>
+          <p:cNvPicPr>
+            <a:picLocks noChangeAspect="1" noChangeArrowheads="1"/>
+          </p:cNvPicPr>
+          <p:nvPr/>
+        </p:nvPicPr>
+        <p:blipFill>
+          <a:blip r:embed="rId2">
+            <a:extLst>
+              <a:ext uri="{28A0092B-C50C-407E-A947-70E740481C1C}">
+                <a14:useLocalDpi xmlns:a14="http://schemas.microsoft.com/office/drawing/2010/main" val="0"/>
+              </a:ext>
+            </a:extLst>
+          </a:blip>
+          <a:srcRect/>
+          <a:stretch>
+            <a:fillRect/>
+          </a:stretch>
+        </p:blipFill>
+        <p:spPr bwMode="auto">
+          <a:xfrm>
+            <a:off x="738051" y="1405527"/>
+            <a:ext cx="6601097" cy="4950823"/>
+          </a:xfrm>
+          <a:prstGeom prst="rect">
+            <a:avLst/>
+          </a:prstGeom>
+          <a:noFill/>
+          <a:extLst>
+            <a:ext uri="{909E8E84-426E-40DD-AFC4-6F175D3DCCD1}">
+              <a14:hiddenFill xmlns:a14="http://schemas.microsoft.com/office/drawing/2010/main">
+                <a:solidFill>
+                  <a:srgbClr val="FFFFFF"/>
+                </a:solidFill>
+              </a14:hiddenFill>
+            </a:ext>
+          </a:extLst>
+        </p:spPr>
+      </p:pic>
+      <p:sp>
+        <p:nvSpPr>
+          <p:cNvPr id="2" name="Title 1"/>
+          <p:cNvSpPr>
+            <a:spLocks noGrp="1"/>
+          </p:cNvSpPr>
+          <p:nvPr>
+            <p:ph type="title"/>
+          </p:nvPr>
+        </p:nvSpPr>
+        <p:spPr/>
+        <p:txBody>
+          <a:bodyPr/>
+          <a:lstStyle/>
+          <a:p>
+            <a:r>
+              <a:rPr lang="en-US" dirty="0" smtClean="0"/>
+              <a:t>Unicorns and Rainbows?</a:t>
+            </a:r>
+            <a:endParaRPr lang="en-US" dirty="0"/>
+          </a:p>
+        </p:txBody>
+      </p:sp>
+      <p:sp>
+        <p:nvSpPr>
+          <p:cNvPr id="3" name="TextBox 2"/>
+          <p:cNvSpPr txBox="1"/>
+          <p:nvPr/>
+        </p:nvSpPr>
+        <p:spPr>
+          <a:xfrm>
+            <a:off x="7339148" y="2917371"/>
+            <a:ext cx="4542141" cy="1754326"/>
+          </a:xfrm>
+          <a:prstGeom prst="rect">
+            <a:avLst/>
+          </a:prstGeom>
+          <a:noFill/>
+        </p:spPr>
+        <p:txBody>
+          <a:bodyPr wrap="none" rtlCol="0">
+            <a:spAutoFit/>
+          </a:bodyPr>
+          <a:lstStyle/>
+          <a:p>
+            <a:r>
+              <a:rPr lang="en-US" dirty="0" smtClean="0"/>
+              <a:t>Not exactly:</a:t>
+            </a:r>
+          </a:p>
+          <a:p>
+            <a:r>
+              <a:rPr lang="en-US" dirty="0" smtClean="0"/>
+              <a:t>-Need Infrastructure/DevOps resources</a:t>
+            </a:r>
+          </a:p>
+          <a:p>
+            <a:r>
+              <a:rPr lang="en-US" dirty="0" smtClean="0"/>
+              <a:t>-Adequate Dev resources</a:t>
+            </a:r>
+          </a:p>
+          <a:p>
+            <a:endParaRPr lang="en-US" dirty="0"/>
+          </a:p>
+          <a:p>
+            <a:r>
+              <a:rPr lang="en-US" dirty="0" smtClean="0"/>
+              <a:t>-Julia specifically – most have never heard of it</a:t>
+            </a:r>
+          </a:p>
+          <a:p>
+            <a:endParaRPr lang="en-US" dirty="0"/>
+          </a:p>
+        </p:txBody>
+      </p:sp>
+    </p:spTree>
+    <p:extLst>
+      <p:ext uri="{BB962C8B-B14F-4D97-AF65-F5344CB8AC3E}">
+        <p14:creationId xmlns:p14="http://schemas.microsoft.com/office/powerpoint/2010/main" val="657618916"/>
+      </p:ext>
+    </p:extLst>
+  </p:cSld>
+  <p:clrMapOvr>
+    <a:masterClrMapping/>
+  </p:clrMapOvr>
+</p:sld>
+</file>
+
+<file path=ppt/slides/slide7.xml><?xml version="1.0" encoding="utf-8"?>
+<p:sld xmlns:a="http://schemas.openxmlformats.org/drawingml/2006/main" xmlns:r="http://schemas.openxmlformats.org/officeDocument/2006/relationships" xmlns:p="http://schemas.openxmlformats.org/presentationml/2006/main">
+  <p:cSld>
+    <p:spTree>
+      <p:nvGrpSpPr>
+        <p:cNvPr id="1" name=""/>
+        <p:cNvGrpSpPr/>
+        <p:nvPr/>
+      </p:nvGrpSpPr>
+      <p:grpSpPr>
+        <a:xfrm>
+          <a:off x="0" y="0"/>
+          <a:ext cx="0" cy="0"/>
+          <a:chOff x="0" y="0"/>
+          <a:chExt cx="0" cy="0"/>
+        </a:xfrm>
+      </p:grpSpPr>
+      <p:sp>
+        <p:nvSpPr>
+          <p:cNvPr id="2" name="Title 1"/>
+          <p:cNvSpPr>
+            <a:spLocks noGrp="1"/>
+          </p:cNvSpPr>
+          <p:nvPr>
+            <p:ph type="title"/>
+          </p:nvPr>
+        </p:nvSpPr>
+        <p:spPr/>
+        <p:txBody>
+          <a:bodyPr/>
+          <a:lstStyle/>
+          <a:p>
+            <a:r>
+              <a:rPr lang="en-US" dirty="0" smtClean="0"/>
+              <a:t>Model Build in Python</a:t>
+            </a:r>
+            <a:endParaRPr lang="en-US" dirty="0"/>
+          </a:p>
+        </p:txBody>
+      </p:sp>
+      <p:sp>
+        <p:nvSpPr>
+          <p:cNvPr id="3" name="Content Placeholder 2"/>
+          <p:cNvSpPr>
+            <a:spLocks noGrp="1"/>
+          </p:cNvSpPr>
+          <p:nvPr>
+            <p:ph idx="1"/>
+          </p:nvPr>
+        </p:nvSpPr>
+        <p:spPr/>
+        <p:txBody>
+          <a:bodyPr/>
+          <a:lstStyle/>
+          <a:p>
+            <a:r>
+              <a:rPr lang="en-US" dirty="0" smtClean="0"/>
+              <a:t>Just for comparisons sake and to demonstrate how you might do this in Python/Flask</a:t>
+            </a:r>
+          </a:p>
+          <a:p>
+            <a:endParaRPr lang="en-US" dirty="0"/>
+          </a:p>
+          <a:p>
+            <a:pPr marL="0" indent="0">
+              <a:buNone/>
+            </a:pPr>
+            <a:r>
+              <a:rPr lang="en-US" dirty="0" smtClean="0"/>
+              <a:t>python_model_build.py</a:t>
+            </a:r>
+            <a:endParaRPr lang="en-US" dirty="0"/>
+          </a:p>
+        </p:txBody>
+      </p:sp>
+      <p:sp>
+        <p:nvSpPr>
+          <p:cNvPr id="4" name="Footer Placeholder 3"/>
+          <p:cNvSpPr>
+            <a:spLocks noGrp="1"/>
+          </p:cNvSpPr>
+          <p:nvPr>
+            <p:ph type="ftr" sz="quarter" idx="11"/>
+          </p:nvPr>
+        </p:nvSpPr>
+        <p:spPr/>
+        <p:txBody>
+          <a:bodyPr/>
+          <a:lstStyle/>
+          <a:p>
+            <a:r>
+              <a:rPr lang="en-US" smtClean="0"/>
+              <a:t>github.com/chasedehan/odsc_east_2018</a:t>
+            </a:r>
+            <a:endParaRPr lang="en-US"/>
+          </a:p>
+        </p:txBody>
+      </p:sp>
+    </p:spTree>
+    <p:extLst>
+      <p:ext uri="{BB962C8B-B14F-4D97-AF65-F5344CB8AC3E}">
+        <p14:creationId xmlns:p14="http://schemas.microsoft.com/office/powerpoint/2010/main" val="2222378217"/>
+      </p:ext>
+    </p:extLst>
+  </p:cSld>
+  <p:clrMapOvr>
+    <a:masterClrMapping/>
+  </p:clrMapOvr>
+</p:sld>
+</file>
+
+<file path=ppt/slides/slide8.xml><?xml version="1.0" encoding="utf-8"?>
+<p:sld xmlns:a="http://schemas.openxmlformats.org/drawingml/2006/main" xmlns:r="http://schemas.openxmlformats.org/officeDocument/2006/relationships" xmlns:p="http://schemas.openxmlformats.org/presentationml/2006/main">
+  <p:cSld>
+    <p:spTree>
+      <p:nvGrpSpPr>
+        <p:cNvPr id="1" name=""/>
+        <p:cNvGrpSpPr/>
+        <p:nvPr/>
+      </p:nvGrpSpPr>
+      <p:grpSpPr>
+        <a:xfrm>
+          <a:off x="0" y="0"/>
+          <a:ext cx="0" cy="0"/>
+          <a:chOff x="0" y="0"/>
+          <a:chExt cx="0" cy="0"/>
+        </a:xfrm>
+      </p:grpSpPr>
+      <p:sp>
+        <p:nvSpPr>
+          <p:cNvPr id="2" name="Title 1"/>
+          <p:cNvSpPr>
+            <a:spLocks noGrp="1"/>
+          </p:cNvSpPr>
+          <p:nvPr>
+            <p:ph type="title"/>
+          </p:nvPr>
+        </p:nvSpPr>
+        <p:spPr/>
+        <p:txBody>
+          <a:bodyPr/>
+          <a:lstStyle/>
+          <a:p>
+            <a:r>
+              <a:rPr lang="en-US" dirty="0" smtClean="0"/>
+              <a:t>Basic Julia Example</a:t>
+            </a:r>
+            <a:endParaRPr lang="en-US" dirty="0"/>
+          </a:p>
+        </p:txBody>
+      </p:sp>
+      <p:sp>
+        <p:nvSpPr>
+          <p:cNvPr id="3" name="Content Placeholder 2"/>
+          <p:cNvSpPr>
+            <a:spLocks noGrp="1"/>
+          </p:cNvSpPr>
+          <p:nvPr>
+            <p:ph idx="1"/>
+          </p:nvPr>
+        </p:nvSpPr>
+        <p:spPr/>
+        <p:txBody>
+          <a:bodyPr/>
+          <a:lstStyle/>
+          <a:p>
+            <a:pPr marL="0" indent="0">
+              <a:buNone/>
+            </a:pPr>
+            <a:r>
+              <a:rPr lang="en-US" dirty="0" err="1" smtClean="0"/>
+              <a:t>julia_example.jl</a:t>
+            </a:r>
+            <a:endParaRPr lang="en-US" dirty="0" smtClean="0"/>
+          </a:p>
+          <a:p>
+            <a:pPr marL="0" indent="0">
+              <a:buNone/>
+            </a:pPr>
+            <a:endParaRPr lang="en-US" dirty="0"/>
+          </a:p>
+          <a:p>
+            <a:pPr marL="0" indent="0">
+              <a:buNone/>
+            </a:pPr>
+            <a:endParaRPr lang="en-US" dirty="0"/>
+          </a:p>
+        </p:txBody>
+      </p:sp>
+      <p:sp>
+        <p:nvSpPr>
+          <p:cNvPr id="4" name="Footer Placeholder 3"/>
+          <p:cNvSpPr>
+            <a:spLocks noGrp="1"/>
+          </p:cNvSpPr>
+          <p:nvPr>
+            <p:ph type="ftr" sz="quarter" idx="11"/>
+          </p:nvPr>
+        </p:nvSpPr>
+        <p:spPr/>
+        <p:txBody>
+          <a:bodyPr/>
+          <a:lstStyle/>
+          <a:p>
+            <a:r>
+              <a:rPr lang="en-US" smtClean="0"/>
+              <a:t>github.com/chasedehan/odsc_east_2018</a:t>
+            </a:r>
+            <a:endParaRPr lang="en-US"/>
+          </a:p>
+        </p:txBody>
+      </p:sp>
+    </p:spTree>
+    <p:extLst>
+      <p:ext uri="{BB962C8B-B14F-4D97-AF65-F5344CB8AC3E}">
+        <p14:creationId xmlns:p14="http://schemas.microsoft.com/office/powerpoint/2010/main" val="3346711784"/>
+      </p:ext>
+    </p:extLst>
+  </p:cSld>
+  <p:clrMapOvr>
+    <a:masterClrMapping/>
+  </p:clrMapOvr>
+</p:sld>
+</file>
+
+<file path=ppt/slides/slide9.xml><?xml version="1.0" encoding="utf-8"?>
+<p:sld xmlns:a="http://schemas.openxmlformats.org/drawingml/2006/main" xmlns:r="http://schemas.openxmlformats.org/officeDocument/2006/relationships" xmlns:p="http://schemas.openxmlformats.org/presentationml/2006/main">
+  <p:cSld>
+    <p:spTree>
+      <p:nvGrpSpPr>
+        <p:cNvPr id="1" name=""/>
+        <p:cNvGrpSpPr/>
+        <p:nvPr/>
+      </p:nvGrpSpPr>
+      <p:grpSpPr>
+        <a:xfrm>
+          <a:off x="0" y="0"/>
+          <a:ext cx="0" cy="0"/>
+          <a:chOff x="0" y="0"/>
+          <a:chExt cx="0" cy="0"/>
+        </a:xfrm>
+      </p:grpSpPr>
+      <p:sp>
+        <p:nvSpPr>
+          <p:cNvPr id="2" name="Title 1"/>
+          <p:cNvSpPr>
+            <a:spLocks noGrp="1"/>
+          </p:cNvSpPr>
+          <p:nvPr>
+            <p:ph type="title"/>
+          </p:nvPr>
+        </p:nvSpPr>
+        <p:spPr/>
+        <p:txBody>
+          <a:bodyPr/>
+          <a:lstStyle/>
+          <a:p>
+            <a:r>
+              <a:rPr lang="en-US" dirty="0" smtClean="0"/>
+              <a:t>Now, implement a Julia API</a:t>
+            </a:r>
+            <a:endParaRPr lang="en-US" dirty="0"/>
+          </a:p>
+        </p:txBody>
+      </p:sp>
+      <p:sp>
+        <p:nvSpPr>
+          <p:cNvPr id="3" name="Content Placeholder 2"/>
+          <p:cNvSpPr>
+            <a:spLocks noGrp="1"/>
+          </p:cNvSpPr>
+          <p:nvPr>
+            <p:ph idx="1"/>
+          </p:nvPr>
+        </p:nvSpPr>
+        <p:spPr/>
+        <p:txBody>
+          <a:bodyPr/>
+          <a:lstStyle/>
+          <a:p>
+            <a:pPr marL="0" indent="0">
+              <a:buNone/>
+            </a:pPr>
+            <a:r>
+              <a:rPr lang="en-US" dirty="0" err="1" smtClean="0"/>
+              <a:t>julia_web_server.jl</a:t>
+            </a:r>
+            <a:endParaRPr lang="en-US" dirty="0"/>
+          </a:p>
+        </p:txBody>
+      </p:sp>
+      <p:sp>
+        <p:nvSpPr>
+          <p:cNvPr id="4" name="Footer Placeholder 3"/>
+          <p:cNvSpPr>
+            <a:spLocks noGrp="1"/>
+          </p:cNvSpPr>
+          <p:nvPr>
+            <p:ph type="ftr" sz="quarter" idx="11"/>
+          </p:nvPr>
+        </p:nvSpPr>
+        <p:spPr/>
+        <p:txBody>
+          <a:bodyPr/>
+          <a:lstStyle/>
+          <a:p>
+            <a:r>
+              <a:rPr lang="en-US" smtClean="0"/>
+              <a:t>github.com/chasedehan/odsc_east_2018</a:t>
+            </a:r>
+            <a:endParaRPr lang="en-US"/>
+          </a:p>
+        </p:txBody>
+      </p:sp>
+    </p:spTree>
+    <p:extLst>
+      <p:ext uri="{BB962C8B-B14F-4D97-AF65-F5344CB8AC3E}">
+        <p14:creationId xmlns:p14="http://schemas.microsoft.com/office/powerpoint/2010/main" val="2527576248"/>
+      </p:ext>
+    </p:extLst>
+  </p:cSld>
+  <p:clrMapOvr>
+    <a:masterClrMapping/>
+  </p:clrMapOvr>
 </p:sld>
 </file>
 
